--- a/ppt/meeting slide.pptx
+++ b/ppt/meeting slide.pptx
@@ -5,17 +5,19 @@
     <p:sldMasterId id="2147483648" r:id="rId1"/>
   </p:sldMasterIdLst>
   <p:notesMasterIdLst>
-    <p:notesMasterId r:id="rId10"/>
+    <p:notesMasterId r:id="rId12"/>
   </p:notesMasterIdLst>
   <p:sldIdLst>
     <p:sldId id="256" r:id="rId2"/>
     <p:sldId id="258" r:id="rId3"/>
     <p:sldId id="257" r:id="rId4"/>
     <p:sldId id="260" r:id="rId5"/>
-    <p:sldId id="263" r:id="rId6"/>
+    <p:sldId id="259" r:id="rId6"/>
     <p:sldId id="261" r:id="rId7"/>
-    <p:sldId id="259" r:id="rId8"/>
-    <p:sldId id="264" r:id="rId9"/>
+    <p:sldId id="265" r:id="rId8"/>
+    <p:sldId id="267" r:id="rId9"/>
+    <p:sldId id="266" r:id="rId10"/>
+    <p:sldId id="264" r:id="rId11"/>
   </p:sldIdLst>
   <p:sldSz cx="12192000" cy="6858000"/>
   <p:notesSz cx="6858000" cy="9144000"/>
@@ -115,6 +117,36 @@
     </a:lvl9pPr>
   </p:defaultTextStyle>
   <p:extLst>
+    <p:ext uri="{521415D9-36F7-43E2-AB2F-B90AF26B5E84}">
+      <p14:sectionLst xmlns:p14="http://schemas.microsoft.com/office/powerpoint/2010/main">
+        <p14:section name="預設章節" id="{D49EFBC9-D7CA-47AB-A6AD-08E24B51427C}">
+          <p14:sldIdLst>
+            <p14:sldId id="256"/>
+          </p14:sldIdLst>
+        </p14:section>
+        <p14:section name="Environmental condition" id="{A3A7444B-C27D-4DD1-8C64-BA087C952E76}">
+          <p14:sldIdLst>
+            <p14:sldId id="258"/>
+          </p14:sldIdLst>
+        </p14:section>
+        <p14:section name="Macrofauna" id="{EF565818-95E8-4101-8A9F-30FF7F3C2DCB}">
+          <p14:sldIdLst>
+            <p14:sldId id="257"/>
+            <p14:sldId id="260"/>
+            <p14:sldId id="259"/>
+            <p14:sldId id="261"/>
+          </p14:sldIdLst>
+        </p14:section>
+        <p14:section name="Polychaete_family" id="{400B639E-59DC-4EE2-8834-0C0DFE6745A2}">
+          <p14:sldIdLst>
+            <p14:sldId id="265"/>
+            <p14:sldId id="267"/>
+            <p14:sldId id="266"/>
+            <p14:sldId id="264"/>
+          </p14:sldIdLst>
+        </p14:section>
+      </p14:sectionLst>
+    </p:ext>
     <p:ext uri="{EFAFB233-063F-42B5-8137-9DF3F51BA10A}">
       <p15:sldGuideLst xmlns:p15="http://schemas.microsoft.com/office/powerpoint/2012/main">
         <p15:guide id="1" orient="horz" pos="2160" userDrawn="1">
@@ -215,7 +247,7 @@
           <a:p>
             <a:fld id="{A0249A39-698D-453E-99AB-6046D97AA3C4}" type="datetimeFigureOut">
               <a:rPr lang="en-US" smtClean="0"/>
-              <a:t>8/10/2023</a:t>
+              <a:t>8/23/2023</a:t>
             </a:fld>
             <a:endParaRPr lang="en-US"/>
           </a:p>
@@ -570,6 +602,241 @@
 </p:notes>
 </file>
 
+<file path=ppt/notesSlides/notesSlide2.xml><?xml version="1.0" encoding="utf-8"?>
+<p:notes xmlns:a="http://schemas.openxmlformats.org/drawingml/2006/main" xmlns:r="http://schemas.openxmlformats.org/officeDocument/2006/relationships" xmlns:p="http://schemas.openxmlformats.org/presentationml/2006/main">
+  <p:cSld>
+    <p:spTree>
+      <p:nvGrpSpPr>
+        <p:cNvPr id="1" name=""/>
+        <p:cNvGrpSpPr/>
+        <p:nvPr/>
+      </p:nvGrpSpPr>
+      <p:grpSpPr>
+        <a:xfrm>
+          <a:off x="0" y="0"/>
+          <a:ext cx="0" cy="0"/>
+          <a:chOff x="0" y="0"/>
+          <a:chExt cx="0" cy="0"/>
+        </a:xfrm>
+      </p:grpSpPr>
+      <p:sp>
+        <p:nvSpPr>
+          <p:cNvPr id="2" name="投影片影像版面配置區 1"/>
+          <p:cNvSpPr>
+            <a:spLocks noGrp="1" noRot="1" noChangeAspect="1"/>
+          </p:cNvSpPr>
+          <p:nvPr>
+            <p:ph type="sldImg"/>
+          </p:nvPr>
+        </p:nvSpPr>
+        <p:spPr/>
+      </p:sp>
+      <p:sp>
+        <p:nvSpPr>
+          <p:cNvPr id="3" name="備忘稿版面配置區 2"/>
+          <p:cNvSpPr>
+            <a:spLocks noGrp="1"/>
+          </p:cNvSpPr>
+          <p:nvPr>
+            <p:ph type="body" idx="1"/>
+          </p:nvPr>
+        </p:nvSpPr>
+        <p:spPr/>
+        <p:txBody>
+          <a:bodyPr/>
+          <a:lstStyle/>
+          <a:p>
+            <a:r>
+              <a:rPr lang="en-US" dirty="0"/>
+              <a:t>Despite PCA based on </a:t>
+            </a:r>
+            <a:r>
+              <a:rPr lang="en-US" dirty="0" err="1"/>
+              <a:t>abundancne</a:t>
+            </a:r>
+            <a:r>
+              <a:rPr lang="en-US" dirty="0"/>
+              <a:t> and biomass assemblage showed varying results, RDA showed similar ordination patterns.</a:t>
+            </a:r>
+          </a:p>
+          <a:p>
+            <a:r>
+              <a:rPr lang="en-US" dirty="0"/>
+              <a:t>RDA1 were highly loaded with Temp, TOC, </a:t>
+            </a:r>
+            <a:r>
+              <a:rPr lang="en-US" dirty="0" err="1"/>
+              <a:t>Chla</a:t>
+            </a:r>
+            <a:r>
+              <a:rPr lang="en-US" dirty="0"/>
+              <a:t>, and CN</a:t>
+            </a:r>
+          </a:p>
+          <a:p>
+            <a:r>
+              <a:rPr lang="en-US" dirty="0"/>
+              <a:t>RDA2 was loaded with D50 and Por.</a:t>
+            </a:r>
+          </a:p>
+          <a:p>
+            <a:r>
+              <a:rPr lang="en-US" dirty="0"/>
+              <a:t>The variation of the a </a:t>
+            </a:r>
+            <a:r>
+              <a:rPr lang="en-US" dirty="0" err="1"/>
+              <a:t>bundance</a:t>
+            </a:r>
+            <a:r>
+              <a:rPr lang="en-US" dirty="0"/>
+              <a:t> and biomass of </a:t>
+            </a:r>
+            <a:r>
+              <a:rPr lang="en-US" dirty="0" err="1"/>
+              <a:t>aplacophorans</a:t>
+            </a:r>
+            <a:r>
+              <a:rPr lang="en-US" dirty="0"/>
+              <a:t> and mysids </a:t>
+            </a:r>
+            <a:r>
+              <a:rPr lang="en-US"/>
+              <a:t>were shown.</a:t>
+            </a:r>
+            <a:endParaRPr lang="en-US" dirty="0"/>
+          </a:p>
+        </p:txBody>
+      </p:sp>
+      <p:sp>
+        <p:nvSpPr>
+          <p:cNvPr id="4" name="投影片編號版面配置區 3"/>
+          <p:cNvSpPr>
+            <a:spLocks noGrp="1"/>
+          </p:cNvSpPr>
+          <p:nvPr>
+            <p:ph type="sldNum" sz="quarter" idx="5"/>
+          </p:nvPr>
+        </p:nvSpPr>
+        <p:spPr/>
+        <p:txBody>
+          <a:bodyPr/>
+          <a:lstStyle/>
+          <a:p>
+            <a:fld id="{7EB0100F-2425-4CF2-8994-60A76DEF38F4}" type="slidenum">
+              <a:rPr lang="en-US" smtClean="0"/>
+              <a:t>4</a:t>
+            </a:fld>
+            <a:endParaRPr lang="en-US"/>
+          </a:p>
+        </p:txBody>
+      </p:sp>
+    </p:spTree>
+    <p:extLst>
+      <p:ext uri="{BB962C8B-B14F-4D97-AF65-F5344CB8AC3E}">
+        <p14:creationId xmlns:p14="http://schemas.microsoft.com/office/powerpoint/2010/main" val="3246609639"/>
+      </p:ext>
+    </p:extLst>
+  </p:cSld>
+  <p:clrMapOvr>
+    <a:masterClrMapping/>
+  </p:clrMapOvr>
+</p:notes>
+</file>
+
+<file path=ppt/notesSlides/notesSlide3.xml><?xml version="1.0" encoding="utf-8"?>
+<p:notes xmlns:a="http://schemas.openxmlformats.org/drawingml/2006/main" xmlns:r="http://schemas.openxmlformats.org/officeDocument/2006/relationships" xmlns:p="http://schemas.openxmlformats.org/presentationml/2006/main">
+  <p:cSld>
+    <p:spTree>
+      <p:nvGrpSpPr>
+        <p:cNvPr id="1" name=""/>
+        <p:cNvGrpSpPr/>
+        <p:nvPr/>
+      </p:nvGrpSpPr>
+      <p:grpSpPr>
+        <a:xfrm>
+          <a:off x="0" y="0"/>
+          <a:ext cx="0" cy="0"/>
+          <a:chOff x="0" y="0"/>
+          <a:chExt cx="0" cy="0"/>
+        </a:xfrm>
+      </p:grpSpPr>
+      <p:sp>
+        <p:nvSpPr>
+          <p:cNvPr id="2" name="投影片影像版面配置區 1"/>
+          <p:cNvSpPr>
+            <a:spLocks noGrp="1" noRot="1" noChangeAspect="1"/>
+          </p:cNvSpPr>
+          <p:nvPr>
+            <p:ph type="sldImg"/>
+          </p:nvPr>
+        </p:nvSpPr>
+        <p:spPr/>
+      </p:sp>
+      <p:sp>
+        <p:nvSpPr>
+          <p:cNvPr id="3" name="備忘稿版面配置區 2"/>
+          <p:cNvSpPr>
+            <a:spLocks noGrp="1"/>
+          </p:cNvSpPr>
+          <p:nvPr>
+            <p:ph type="body" idx="1"/>
+          </p:nvPr>
+        </p:nvSpPr>
+        <p:spPr/>
+        <p:txBody>
+          <a:bodyPr/>
+          <a:lstStyle/>
+          <a:p>
+            <a:r>
+              <a:rPr lang="en-US" dirty="0"/>
+              <a:t>Only include complete and head intact specimen since the ecological question is about how many recognizable individuals.</a:t>
+            </a:r>
+          </a:p>
+          <a:p>
+            <a:r>
+              <a:rPr lang="en-US" dirty="0"/>
+              <a:t>If keeping all the specimen disregarding their condition, the ecological question will essentially become how many specimens can be attributed to certain taxonomic groups.</a:t>
+            </a:r>
+          </a:p>
+        </p:txBody>
+      </p:sp>
+      <p:sp>
+        <p:nvSpPr>
+          <p:cNvPr id="4" name="投影片編號版面配置區 3"/>
+          <p:cNvSpPr>
+            <a:spLocks noGrp="1"/>
+          </p:cNvSpPr>
+          <p:nvPr>
+            <p:ph type="sldNum" sz="quarter" idx="5"/>
+          </p:nvPr>
+        </p:nvSpPr>
+        <p:spPr/>
+        <p:txBody>
+          <a:bodyPr/>
+          <a:lstStyle/>
+          <a:p>
+            <a:fld id="{7EB0100F-2425-4CF2-8994-60A76DEF38F4}" type="slidenum">
+              <a:rPr lang="en-US" smtClean="0"/>
+              <a:t>7</a:t>
+            </a:fld>
+            <a:endParaRPr lang="en-US"/>
+          </a:p>
+        </p:txBody>
+      </p:sp>
+    </p:spTree>
+    <p:extLst>
+      <p:ext uri="{BB962C8B-B14F-4D97-AF65-F5344CB8AC3E}">
+        <p14:creationId xmlns:p14="http://schemas.microsoft.com/office/powerpoint/2010/main" val="2908165362"/>
+      </p:ext>
+    </p:extLst>
+  </p:cSld>
+  <p:clrMapOvr>
+    <a:masterClrMapping/>
+  </p:clrMapOvr>
+</p:notes>
+</file>
+
 <file path=ppt/slideLayouts/slideLayout1.xml><?xml version="1.0" encoding="utf-8"?>
 <p:sldLayout xmlns:a="http://schemas.openxmlformats.org/drawingml/2006/main" xmlns:r="http://schemas.openxmlformats.org/officeDocument/2006/relationships" xmlns:p="http://schemas.openxmlformats.org/presentationml/2006/main" type="title" preserve="1">
   <p:cSld name="標題投影片">
@@ -719,7 +986,7 @@
           <a:p>
             <a:fld id="{C842EE51-9306-4152-B059-205B3B593970}" type="datetimeFigureOut">
               <a:rPr lang="en-US" smtClean="0"/>
-              <a:t>8/10/2023</a:t>
+              <a:t>8/23/2023</a:t>
             </a:fld>
             <a:endParaRPr lang="en-US"/>
           </a:p>
@@ -919,7 +1186,7 @@
           <a:p>
             <a:fld id="{C842EE51-9306-4152-B059-205B3B593970}" type="datetimeFigureOut">
               <a:rPr lang="en-US" smtClean="0"/>
-              <a:t>8/10/2023</a:t>
+              <a:t>8/23/2023</a:t>
             </a:fld>
             <a:endParaRPr lang="en-US"/>
           </a:p>
@@ -1129,7 +1396,7 @@
           <a:p>
             <a:fld id="{C842EE51-9306-4152-B059-205B3B593970}" type="datetimeFigureOut">
               <a:rPr lang="en-US" smtClean="0"/>
-              <a:t>8/10/2023</a:t>
+              <a:t>8/23/2023</a:t>
             </a:fld>
             <a:endParaRPr lang="en-US"/>
           </a:p>
@@ -1329,7 +1596,7 @@
           <a:p>
             <a:fld id="{C842EE51-9306-4152-B059-205B3B593970}" type="datetimeFigureOut">
               <a:rPr lang="en-US" smtClean="0"/>
-              <a:t>8/10/2023</a:t>
+              <a:t>8/23/2023</a:t>
             </a:fld>
             <a:endParaRPr lang="en-US"/>
           </a:p>
@@ -1605,7 +1872,7 @@
           <a:p>
             <a:fld id="{C842EE51-9306-4152-B059-205B3B593970}" type="datetimeFigureOut">
               <a:rPr lang="en-US" smtClean="0"/>
-              <a:t>8/10/2023</a:t>
+              <a:t>8/23/2023</a:t>
             </a:fld>
             <a:endParaRPr lang="en-US"/>
           </a:p>
@@ -1873,7 +2140,7 @@
           <a:p>
             <a:fld id="{C842EE51-9306-4152-B059-205B3B593970}" type="datetimeFigureOut">
               <a:rPr lang="en-US" smtClean="0"/>
-              <a:t>8/10/2023</a:t>
+              <a:t>8/23/2023</a:t>
             </a:fld>
             <a:endParaRPr lang="en-US"/>
           </a:p>
@@ -2288,7 +2555,7 @@
           <a:p>
             <a:fld id="{C842EE51-9306-4152-B059-205B3B593970}" type="datetimeFigureOut">
               <a:rPr lang="en-US" smtClean="0"/>
-              <a:t>8/10/2023</a:t>
+              <a:t>8/23/2023</a:t>
             </a:fld>
             <a:endParaRPr lang="en-US"/>
           </a:p>
@@ -2430,7 +2697,7 @@
           <a:p>
             <a:fld id="{C842EE51-9306-4152-B059-205B3B593970}" type="datetimeFigureOut">
               <a:rPr lang="en-US" smtClean="0"/>
-              <a:t>8/10/2023</a:t>
+              <a:t>8/23/2023</a:t>
             </a:fld>
             <a:endParaRPr lang="en-US"/>
           </a:p>
@@ -2543,7 +2810,7 @@
           <a:p>
             <a:fld id="{C842EE51-9306-4152-B059-205B3B593970}" type="datetimeFigureOut">
               <a:rPr lang="en-US" smtClean="0"/>
-              <a:t>8/10/2023</a:t>
+              <a:t>8/23/2023</a:t>
             </a:fld>
             <a:endParaRPr lang="en-US"/>
           </a:p>
@@ -2856,7 +3123,7 @@
           <a:p>
             <a:fld id="{C842EE51-9306-4152-B059-205B3B593970}" type="datetimeFigureOut">
               <a:rPr lang="en-US" smtClean="0"/>
-              <a:t>8/10/2023</a:t>
+              <a:t>8/23/2023</a:t>
             </a:fld>
             <a:endParaRPr lang="en-US"/>
           </a:p>
@@ -3145,7 +3412,7 @@
           <a:p>
             <a:fld id="{C842EE51-9306-4152-B059-205B3B593970}" type="datetimeFigureOut">
               <a:rPr lang="en-US" smtClean="0"/>
-              <a:t>8/10/2023</a:t>
+              <a:t>8/23/2023</a:t>
             </a:fld>
             <a:endParaRPr lang="en-US"/>
           </a:p>
@@ -3388,7 +3655,7 @@
           <a:p>
             <a:fld id="{C842EE51-9306-4152-B059-205B3B593970}" type="datetimeFigureOut">
               <a:rPr lang="en-US" smtClean="0"/>
-              <a:t>8/10/2023</a:t>
+              <a:t>8/23/2023</a:t>
             </a:fld>
             <a:endParaRPr lang="en-US"/>
           </a:p>
@@ -3868,6 +4135,106 @@
 </p:sld>
 </file>
 
+<file path=ppt/slides/slide10.xml><?xml version="1.0" encoding="utf-8"?>
+<p:sld xmlns:a="http://schemas.openxmlformats.org/drawingml/2006/main" xmlns:r="http://schemas.openxmlformats.org/officeDocument/2006/relationships" xmlns:p="http://schemas.openxmlformats.org/presentationml/2006/main">
+  <p:cSld>
+    <p:spTree>
+      <p:nvGrpSpPr>
+        <p:cNvPr id="1" name=""/>
+        <p:cNvGrpSpPr/>
+        <p:nvPr/>
+      </p:nvGrpSpPr>
+      <p:grpSpPr>
+        <a:xfrm>
+          <a:off x="0" y="0"/>
+          <a:ext cx="0" cy="0"/>
+          <a:chOff x="0" y="0"/>
+          <a:chExt cx="0" cy="0"/>
+        </a:xfrm>
+      </p:grpSpPr>
+      <p:sp>
+        <p:nvSpPr>
+          <p:cNvPr id="2" name="標題 1">
+            <a:extLst>
+              <a:ext uri="{FF2B5EF4-FFF2-40B4-BE49-F238E27FC236}">
+                <a16:creationId xmlns:a16="http://schemas.microsoft.com/office/drawing/2014/main" id="{6AE236F5-B8D7-43B5-B83D-6E792367A902}"/>
+              </a:ext>
+            </a:extLst>
+          </p:cNvPr>
+          <p:cNvSpPr>
+            <a:spLocks noGrp="1"/>
+          </p:cNvSpPr>
+          <p:nvPr>
+            <p:ph type="title"/>
+          </p:nvPr>
+        </p:nvSpPr>
+        <p:spPr/>
+        <p:txBody>
+          <a:bodyPr/>
+          <a:lstStyle/>
+          <a:p>
+            <a:r>
+              <a:rPr lang="en-US" dirty="0"/>
+              <a:t>General conclusion</a:t>
+            </a:r>
+          </a:p>
+        </p:txBody>
+      </p:sp>
+      <p:sp>
+        <p:nvSpPr>
+          <p:cNvPr id="3" name="內容版面配置區 2">
+            <a:extLst>
+              <a:ext uri="{FF2B5EF4-FFF2-40B4-BE49-F238E27FC236}">
+                <a16:creationId xmlns:a16="http://schemas.microsoft.com/office/drawing/2014/main" id="{50D61BEA-DA67-4502-824F-D4C4C81D72A4}"/>
+              </a:ext>
+            </a:extLst>
+          </p:cNvPr>
+          <p:cNvSpPr>
+            <a:spLocks noGrp="1"/>
+          </p:cNvSpPr>
+          <p:nvPr>
+            <p:ph idx="1"/>
+          </p:nvPr>
+        </p:nvSpPr>
+        <p:spPr/>
+        <p:txBody>
+          <a:bodyPr/>
+          <a:lstStyle/>
+          <a:p>
+            <a:r>
+              <a:rPr lang="en-US" dirty="0"/>
+              <a:t>Soft sediments in the GRS is spatiotemporally complex</a:t>
+            </a:r>
+          </a:p>
+          <a:p>
+            <a:r>
+              <a:rPr lang="en-US" dirty="0"/>
+              <a:t>Space plays a </a:t>
+            </a:r>
+            <a:r>
+              <a:rPr lang="en-US"/>
+              <a:t>huge role on </a:t>
+            </a:r>
+            <a:r>
+              <a:rPr lang="en-US" dirty="0"/>
+              <a:t>temporal change (deeper communities were not affected by riverine sediment discharge)</a:t>
+            </a:r>
+          </a:p>
+        </p:txBody>
+      </p:sp>
+    </p:spTree>
+    <p:extLst>
+      <p:ext uri="{BB962C8B-B14F-4D97-AF65-F5344CB8AC3E}">
+        <p14:creationId xmlns:p14="http://schemas.microsoft.com/office/powerpoint/2010/main" val="1519339472"/>
+      </p:ext>
+    </p:extLst>
+  </p:cSld>
+  <p:clrMapOvr>
+    <a:masterClrMapping/>
+  </p:clrMapOvr>
+</p:sld>
+</file>
+
 <file path=ppt/slides/slide2.xml><?xml version="1.0" encoding="utf-8"?>
 <p:sld xmlns:a="http://schemas.openxmlformats.org/drawingml/2006/main" xmlns:r="http://schemas.openxmlformats.org/officeDocument/2006/relationships" xmlns:p="http://schemas.openxmlformats.org/presentationml/2006/main">
   <p:cSld>
@@ -4338,7 +4705,7 @@
           <a:p>
             <a:r>
               <a:rPr lang="en-US" sz="2400" dirty="0"/>
-              <a:t>Box-Cox-chord transformed PCA, scaling 1</a:t>
+              <a:t>Box-Cox-chord transformed assemblage PCA, scaling 1</a:t>
             </a:r>
             <a:br>
               <a:rPr lang="en-US" sz="2400" dirty="0"/>
@@ -4452,10 +4819,10 @@
       </p:grpSpPr>
       <p:pic>
         <p:nvPicPr>
-          <p:cNvPr id="7" name="圖片 6">
-            <a:extLst>
-              <a:ext uri="{FF2B5EF4-FFF2-40B4-BE49-F238E27FC236}">
-                <a16:creationId xmlns:a16="http://schemas.microsoft.com/office/drawing/2014/main" id="{236367E5-C108-464C-A5B7-6D73B75DE2CC}"/>
+          <p:cNvPr id="3" name="圖片 2">
+            <a:extLst>
+              <a:ext uri="{FF2B5EF4-FFF2-40B4-BE49-F238E27FC236}">
+                <a16:creationId xmlns:a16="http://schemas.microsoft.com/office/drawing/2014/main" id="{186104DB-189F-46DD-80B8-624562E98E76}"/>
               </a:ext>
             </a:extLst>
           </p:cNvPr>
@@ -4464,77 +4831,43 @@
           </p:cNvPicPr>
           <p:nvPr/>
         </p:nvPicPr>
-        <p:blipFill rotWithShape="1">
-          <a:blip r:embed="rId2">
+        <p:blipFill>
+          <a:blip r:embed="rId3">
             <a:extLst>
               <a:ext uri="{28A0092B-C50C-407E-A947-70E740481C1C}">
                 <a14:useLocalDpi xmlns:a14="http://schemas.microsoft.com/office/drawing/2010/main" val="0"/>
               </a:ext>
             </a:extLst>
           </a:blip>
-          <a:srcRect r="15763"/>
-          <a:stretch/>
+          <a:stretch>
+            <a:fillRect/>
+          </a:stretch>
         </p:blipFill>
         <p:spPr>
           <a:xfrm>
-            <a:off x="6029856" y="1535502"/>
-            <a:ext cx="5818180" cy="5180166"/>
+            <a:off x="31865" y="696461"/>
+            <a:ext cx="7315215" cy="5486411"/>
           </a:xfrm>
           <a:prstGeom prst="rect">
             <a:avLst/>
           </a:prstGeom>
         </p:spPr>
       </p:pic>
-      <p:pic>
-        <p:nvPicPr>
-          <p:cNvPr id="9" name="圖片 8">
-            <a:extLst>
-              <a:ext uri="{FF2B5EF4-FFF2-40B4-BE49-F238E27FC236}">
-                <a16:creationId xmlns:a16="http://schemas.microsoft.com/office/drawing/2014/main" id="{B82B599A-9B48-48FB-9E75-91680ADAB849}"/>
-              </a:ext>
-            </a:extLst>
-          </p:cNvPr>
-          <p:cNvPicPr>
-            <a:picLocks noChangeAspect="1"/>
-          </p:cNvPicPr>
+      <p:sp>
+        <p:nvSpPr>
+          <p:cNvPr id="10" name="文字方塊 9">
+            <a:extLst>
+              <a:ext uri="{FF2B5EF4-FFF2-40B4-BE49-F238E27FC236}">
+                <a16:creationId xmlns:a16="http://schemas.microsoft.com/office/drawing/2014/main" id="{75F1DD21-ECAB-499D-B249-A4054DF0393D}"/>
+              </a:ext>
+            </a:extLst>
+          </p:cNvPr>
+          <p:cNvSpPr txBox="1"/>
           <p:nvPr/>
-        </p:nvPicPr>
-        <p:blipFill rotWithShape="1">
-          <a:blip r:embed="rId3">
-            <a:extLst>
-              <a:ext uri="{28A0092B-C50C-407E-A947-70E740481C1C}">
-                <a14:useLocalDpi xmlns:a14="http://schemas.microsoft.com/office/drawing/2010/main" val="0"/>
-              </a:ext>
-            </a:extLst>
-          </a:blip>
-          <a:srcRect r="14584"/>
-          <a:stretch/>
-        </p:blipFill>
+        </p:nvSpPr>
         <p:spPr>
           <a:xfrm>
-            <a:off x="130227" y="1535502"/>
-            <a:ext cx="5899629" cy="5180166"/>
-          </a:xfrm>
-          <a:prstGeom prst="rect">
-            <a:avLst/>
-          </a:prstGeom>
-        </p:spPr>
-      </p:pic>
-      <p:sp>
-        <p:nvSpPr>
-          <p:cNvPr id="10" name="文字方塊 9">
-            <a:extLst>
-              <a:ext uri="{FF2B5EF4-FFF2-40B4-BE49-F238E27FC236}">
-                <a16:creationId xmlns:a16="http://schemas.microsoft.com/office/drawing/2014/main" id="{75F1DD21-ECAB-499D-B249-A4054DF0393D}"/>
-              </a:ext>
-            </a:extLst>
-          </p:cNvPr>
-          <p:cNvSpPr txBox="1"/>
-          <p:nvPr/>
-        </p:nvSpPr>
-        <p:spPr>
-          <a:xfrm>
-            <a:off x="287866" y="234796"/>
+            <a:off x="198966" y="84430"/>
             <a:ext cx="5503333" cy="461665"/>
           </a:xfrm>
           <a:prstGeom prst="rect">
@@ -4550,7 +4883,15 @@
           <a:p>
             <a:r>
               <a:rPr lang="en-US" sz="2400" dirty="0"/>
-              <a:t>RDA biplot, scaling 1</a:t>
+              <a:t>RDA </a:t>
+            </a:r>
+            <a:r>
+              <a:rPr lang="en-US" sz="2400" dirty="0" err="1"/>
+              <a:t>triplot</a:t>
+            </a:r>
+            <a:r>
+              <a:rPr lang="en-US" sz="2400" dirty="0"/>
+              <a:t>, scaling 1</a:t>
             </a:r>
           </a:p>
         </p:txBody>
@@ -4569,7 +4910,7 @@
         </p:nvSpPr>
         <p:spPr>
           <a:xfrm>
-            <a:off x="6450482" y="1260366"/>
+            <a:off x="6450481" y="241279"/>
             <a:ext cx="3150718" cy="369332"/>
           </a:xfrm>
           <a:prstGeom prst="rect">
@@ -4604,7 +4945,7 @@
         </p:nvSpPr>
         <p:spPr>
           <a:xfrm>
-            <a:off x="475093" y="1535502"/>
+            <a:off x="198966" y="436612"/>
             <a:ext cx="2440636" cy="369332"/>
           </a:xfrm>
           <a:prstGeom prst="rect">
@@ -4625,6 +4966,41 @@
           </a:p>
         </p:txBody>
       </p:sp>
+      <p:pic>
+        <p:nvPicPr>
+          <p:cNvPr id="5" name="圖片 4">
+            <a:extLst>
+              <a:ext uri="{FF2B5EF4-FFF2-40B4-BE49-F238E27FC236}">
+                <a16:creationId xmlns:a16="http://schemas.microsoft.com/office/drawing/2014/main" id="{1DEB9A18-D863-4BB8-9F29-B42D0B7F3C62}"/>
+              </a:ext>
+            </a:extLst>
+          </p:cNvPr>
+          <p:cNvPicPr>
+            <a:picLocks noChangeAspect="1"/>
+          </p:cNvPicPr>
+          <p:nvPr/>
+        </p:nvPicPr>
+        <p:blipFill rotWithShape="1">
+          <a:blip r:embed="rId4">
+            <a:extLst>
+              <a:ext uri="{28A0092B-C50C-407E-A947-70E740481C1C}">
+                <a14:useLocalDpi xmlns:a14="http://schemas.microsoft.com/office/drawing/2010/main" val="0"/>
+              </a:ext>
+            </a:extLst>
+          </a:blip>
+          <a:srcRect l="8507" r="23611"/>
+          <a:stretch/>
+        </p:blipFill>
+        <p:spPr>
+          <a:xfrm>
+            <a:off x="6096001" y="675128"/>
+            <a:ext cx="4965700" cy="5486411"/>
+          </a:xfrm>
+          <a:prstGeom prst="rect">
+            <a:avLst/>
+          </a:prstGeom>
+        </p:spPr>
+      </p:pic>
     </p:spTree>
     <p:extLst>
       <p:ext uri="{BB962C8B-B14F-4D97-AF65-F5344CB8AC3E}">
@@ -4655,12 +5031,48 @@
           <a:chExt cx="0" cy="0"/>
         </a:xfrm>
       </p:grpSpPr>
-      <p:sp>
-        <p:nvSpPr>
-          <p:cNvPr id="10" name="文字方塊 9">
-            <a:extLst>
-              <a:ext uri="{FF2B5EF4-FFF2-40B4-BE49-F238E27FC236}">
-                <a16:creationId xmlns:a16="http://schemas.microsoft.com/office/drawing/2014/main" id="{75F1DD21-ECAB-499D-B249-A4054DF0393D}"/>
+      <p:pic>
+        <p:nvPicPr>
+          <p:cNvPr id="6" name="圖片 5">
+            <a:extLst>
+              <a:ext uri="{FF2B5EF4-FFF2-40B4-BE49-F238E27FC236}">
+                <a16:creationId xmlns:a16="http://schemas.microsoft.com/office/drawing/2014/main" id="{78CCFA7A-2B3B-4465-9D19-A7489E6A021A}"/>
+              </a:ext>
+            </a:extLst>
+          </p:cNvPr>
+          <p:cNvPicPr>
+            <a:picLocks noChangeAspect="1"/>
+          </p:cNvPicPr>
+          <p:nvPr/>
+        </p:nvPicPr>
+        <p:blipFill>
+          <a:blip r:embed="rId2">
+            <a:extLst>
+              <a:ext uri="{28A0092B-C50C-407E-A947-70E740481C1C}">
+                <a14:useLocalDpi xmlns:a14="http://schemas.microsoft.com/office/drawing/2010/main" val="0"/>
+              </a:ext>
+            </a:extLst>
+          </a:blip>
+          <a:stretch>
+            <a:fillRect/>
+          </a:stretch>
+        </p:blipFill>
+        <p:spPr>
+          <a:xfrm>
+            <a:off x="4991100" y="563589"/>
+            <a:ext cx="8262782" cy="6197086"/>
+          </a:xfrm>
+          <a:prstGeom prst="rect">
+            <a:avLst/>
+          </a:prstGeom>
+        </p:spPr>
+      </p:pic>
+      <p:sp>
+        <p:nvSpPr>
+          <p:cNvPr id="7" name="文字方塊 6">
+            <a:extLst>
+              <a:ext uri="{FF2B5EF4-FFF2-40B4-BE49-F238E27FC236}">
+                <a16:creationId xmlns:a16="http://schemas.microsoft.com/office/drawing/2014/main" id="{923F6865-EC1A-4C12-B223-46F3AEEEA3FC}"/>
               </a:ext>
             </a:extLst>
           </p:cNvPr>
@@ -4669,8 +5081,8 @@
         </p:nvSpPr>
         <p:spPr>
           <a:xfrm>
-            <a:off x="287866" y="234796"/>
-            <a:ext cx="5503333" cy="461665"/>
+            <a:off x="841829" y="1146629"/>
+            <a:ext cx="2278742" cy="646331"/>
           </a:xfrm>
           <a:prstGeom prst="rect">
             <a:avLst/>
@@ -4684,16 +5096,51 @@
           <a:lstStyle/>
           <a:p>
             <a:r>
+              <a:rPr lang="en-US" dirty="0"/>
+              <a:t>Add </a:t>
+            </a:r>
+            <a:r>
+              <a:rPr lang="en-US" dirty="0" err="1"/>
+              <a:t>model_avg</a:t>
+            </a:r>
+            <a:r>
+              <a:rPr lang="en-US" dirty="0"/>
+              <a:t> results here</a:t>
+            </a:r>
+          </a:p>
+        </p:txBody>
+      </p:sp>
+      <p:sp>
+        <p:nvSpPr>
+          <p:cNvPr id="8" name="文字方塊 7">
+            <a:extLst>
+              <a:ext uri="{FF2B5EF4-FFF2-40B4-BE49-F238E27FC236}">
+                <a16:creationId xmlns:a16="http://schemas.microsoft.com/office/drawing/2014/main" id="{46732A27-1870-4510-B44D-9D8C5680369D}"/>
+              </a:ext>
+            </a:extLst>
+          </p:cNvPr>
+          <p:cNvSpPr txBox="1"/>
+          <p:nvPr/>
+        </p:nvSpPr>
+        <p:spPr>
+          <a:xfrm>
+            <a:off x="198966" y="84430"/>
+            <a:ext cx="11821584" cy="461665"/>
+          </a:xfrm>
+          <a:prstGeom prst="rect">
+            <a:avLst/>
+          </a:prstGeom>
+          <a:noFill/>
+        </p:spPr>
+        <p:txBody>
+          <a:bodyPr wrap="square" rtlCol="0">
+            <a:spAutoFit/>
+          </a:bodyPr>
+          <a:lstStyle/>
+          <a:p>
+            <a:r>
               <a:rPr lang="en-US" sz="2400" dirty="0"/>
-              <a:t>RDA </a:t>
-            </a:r>
-            <a:r>
-              <a:rPr lang="en-US" sz="2400" dirty="0" err="1"/>
-              <a:t>triplot</a:t>
-            </a:r>
-            <a:r>
-              <a:rPr lang="en-US" sz="2400" dirty="0"/>
-              <a:t>, scaling 1 or 2</a:t>
+              <a:t>Abundance and biomass variation showed spatiotemporal variations</a:t>
             </a:r>
           </a:p>
         </p:txBody>
@@ -4701,7 +5148,7 @@
     </p:spTree>
     <p:extLst>
       <p:ext uri="{BB962C8B-B14F-4D97-AF65-F5344CB8AC3E}">
-        <p14:creationId xmlns:p14="http://schemas.microsoft.com/office/powerpoint/2010/main" val="3277891977"/>
+        <p14:creationId xmlns:p14="http://schemas.microsoft.com/office/powerpoint/2010/main" val="3335778089"/>
       </p:ext>
     </p:extLst>
   </p:cSld>
@@ -4793,12 +5240,57 @@
           <a:chExt cx="0" cy="0"/>
         </a:xfrm>
       </p:grpSpPr>
+      <p:sp>
+        <p:nvSpPr>
+          <p:cNvPr id="6" name="AutoShape 2" descr="http://127.0.0.1:24421/graphics/plot_zoom_png?width=656&amp;height=527">
+            <a:extLst>
+              <a:ext uri="{FF2B5EF4-FFF2-40B4-BE49-F238E27FC236}">
+                <a16:creationId xmlns:a16="http://schemas.microsoft.com/office/drawing/2014/main" id="{0FA35409-5E0D-490A-8C6C-4F0EBF07EC1A}"/>
+              </a:ext>
+            </a:extLst>
+          </p:cNvPr>
+          <p:cNvSpPr>
+            <a:spLocks noChangeAspect="1" noChangeArrowheads="1"/>
+          </p:cNvSpPr>
+          <p:nvPr/>
+        </p:nvSpPr>
+        <p:spPr bwMode="auto">
+          <a:xfrm>
+            <a:off x="5943600" y="3276600"/>
+            <a:ext cx="304800" cy="304800"/>
+          </a:xfrm>
+          <a:prstGeom prst="rect">
+            <a:avLst/>
+          </a:prstGeom>
+          <a:noFill/>
+          <a:extLst>
+            <a:ext uri="{909E8E84-426E-40DD-AFC4-6F175D3DCCD1}">
+              <a14:hiddenFill xmlns:a14="http://schemas.microsoft.com/office/drawing/2010/main">
+                <a:solidFill>
+                  <a:srgbClr val="FFFFFF"/>
+                </a:solidFill>
+              </a14:hiddenFill>
+            </a:ext>
+          </a:extLst>
+        </p:spPr>
+        <p:txBody>
+          <a:bodyPr vert="horz" wrap="square" lIns="91440" tIns="45720" rIns="91440" bIns="45720" numCol="1" anchor="t" anchorCtr="0" compatLnSpc="1">
+            <a:prstTxWarp prst="textNoShape">
+              <a:avLst/>
+            </a:prstTxWarp>
+          </a:bodyPr>
+          <a:lstStyle/>
+          <a:p>
+            <a:endParaRPr lang="en-US"/>
+          </a:p>
+        </p:txBody>
+      </p:sp>
       <p:pic>
         <p:nvPicPr>
-          <p:cNvPr id="5" name="圖片 4">
-            <a:extLst>
-              <a:ext uri="{FF2B5EF4-FFF2-40B4-BE49-F238E27FC236}">
-                <a16:creationId xmlns:a16="http://schemas.microsoft.com/office/drawing/2014/main" id="{3B051E72-B701-4906-83F8-F989F32CB2F2}"/>
+          <p:cNvPr id="7" name="圖片 6">
+            <a:extLst>
+              <a:ext uri="{FF2B5EF4-FFF2-40B4-BE49-F238E27FC236}">
+                <a16:creationId xmlns:a16="http://schemas.microsoft.com/office/drawing/2014/main" id="{5F1CEDED-E666-41E5-B52C-B111A7CFD7E2}"/>
               </a:ext>
             </a:extLst>
           </p:cNvPr>
@@ -4808,21 +5300,45 @@
           <p:nvPr/>
         </p:nvPicPr>
         <p:blipFill>
-          <a:blip r:embed="rId2">
-            <a:extLst>
-              <a:ext uri="{28A0092B-C50C-407E-A947-70E740481C1C}">
-                <a14:useLocalDpi xmlns:a14="http://schemas.microsoft.com/office/drawing/2010/main" val="0"/>
-              </a:ext>
-            </a:extLst>
-          </a:blip>
+          <a:blip r:embed="rId3"/>
           <a:stretch>
             <a:fillRect/>
           </a:stretch>
         </p:blipFill>
         <p:spPr>
           <a:xfrm>
-            <a:off x="670841" y="1812464"/>
-            <a:ext cx="8016813" cy="3544540"/>
+            <a:off x="781" y="1364273"/>
+            <a:ext cx="6247619" cy="5019048"/>
+          </a:xfrm>
+          <a:prstGeom prst="rect">
+            <a:avLst/>
+          </a:prstGeom>
+        </p:spPr>
+      </p:pic>
+      <p:pic>
+        <p:nvPicPr>
+          <p:cNvPr id="8" name="圖片 7">
+            <a:extLst>
+              <a:ext uri="{FF2B5EF4-FFF2-40B4-BE49-F238E27FC236}">
+                <a16:creationId xmlns:a16="http://schemas.microsoft.com/office/drawing/2014/main" id="{051D660F-2D5B-4422-B1DD-EBDEA6DA8488}"/>
+              </a:ext>
+            </a:extLst>
+          </p:cNvPr>
+          <p:cNvPicPr>
+            <a:picLocks noChangeAspect="1"/>
+          </p:cNvPicPr>
+          <p:nvPr/>
+        </p:nvPicPr>
+        <p:blipFill>
+          <a:blip r:embed="rId4"/>
+          <a:stretch>
+            <a:fillRect/>
+          </a:stretch>
+        </p:blipFill>
+        <p:spPr>
+          <a:xfrm>
+            <a:off x="5943600" y="1364273"/>
+            <a:ext cx="6247619" cy="5019048"/>
           </a:xfrm>
           <a:prstGeom prst="rect">
             <a:avLst/>
@@ -4832,7 +5348,7 @@
     </p:spTree>
     <p:extLst>
       <p:ext uri="{BB962C8B-B14F-4D97-AF65-F5344CB8AC3E}">
-        <p14:creationId xmlns:p14="http://schemas.microsoft.com/office/powerpoint/2010/main" val="3335778089"/>
+        <p14:creationId xmlns:p14="http://schemas.microsoft.com/office/powerpoint/2010/main" val="3730289044"/>
       </p:ext>
     </p:extLst>
   </p:cSld>
@@ -4859,80 +5375,100 @@
           <a:chExt cx="0" cy="0"/>
         </a:xfrm>
       </p:grpSpPr>
-      <p:sp>
-        <p:nvSpPr>
-          <p:cNvPr id="2" name="標題 1">
-            <a:extLst>
-              <a:ext uri="{FF2B5EF4-FFF2-40B4-BE49-F238E27FC236}">
-                <a16:creationId xmlns:a16="http://schemas.microsoft.com/office/drawing/2014/main" id="{6AE236F5-B8D7-43B5-B83D-6E792367A902}"/>
-              </a:ext>
-            </a:extLst>
-          </p:cNvPr>
-          <p:cNvSpPr>
-            <a:spLocks noGrp="1"/>
-          </p:cNvSpPr>
-          <p:nvPr>
-            <p:ph type="title"/>
-          </p:nvPr>
-        </p:nvSpPr>
-        <p:spPr/>
-        <p:txBody>
-          <a:bodyPr/>
-          <a:lstStyle/>
-          <a:p>
-            <a:r>
-              <a:rPr lang="en-US" dirty="0"/>
-              <a:t>General conclusion</a:t>
-            </a:r>
-          </a:p>
-        </p:txBody>
-      </p:sp>
-      <p:sp>
-        <p:nvSpPr>
-          <p:cNvPr id="3" name="內容版面配置區 2">
-            <a:extLst>
-              <a:ext uri="{FF2B5EF4-FFF2-40B4-BE49-F238E27FC236}">
-                <a16:creationId xmlns:a16="http://schemas.microsoft.com/office/drawing/2014/main" id="{50D61BEA-DA67-4502-824F-D4C4C81D72A4}"/>
-              </a:ext>
-            </a:extLst>
-          </p:cNvPr>
-          <p:cNvSpPr>
-            <a:spLocks noGrp="1"/>
-          </p:cNvSpPr>
-          <p:nvPr>
-            <p:ph idx="1"/>
-          </p:nvPr>
-        </p:nvSpPr>
-        <p:spPr/>
-        <p:txBody>
-          <a:bodyPr/>
-          <a:lstStyle/>
-          <a:p>
-            <a:r>
-              <a:rPr lang="en-US" dirty="0"/>
-              <a:t>Soft sediments in the GRS is spatiotemporally complex</a:t>
-            </a:r>
-          </a:p>
-          <a:p>
-            <a:r>
-              <a:rPr lang="en-US" dirty="0"/>
-              <a:t>Space plays a </a:t>
-            </a:r>
-            <a:r>
-              <a:rPr lang="en-US"/>
-              <a:t>huge role on </a:t>
-            </a:r>
-            <a:r>
-              <a:rPr lang="en-US" dirty="0"/>
-              <a:t>temporal change (deeper communities were not affected by riverine sediment discharge)</a:t>
-            </a:r>
-          </a:p>
-        </p:txBody>
-      </p:sp>
+      <p:pic>
+        <p:nvPicPr>
+          <p:cNvPr id="5" name="圖片 4">
+            <a:extLst>
+              <a:ext uri="{FF2B5EF4-FFF2-40B4-BE49-F238E27FC236}">
+                <a16:creationId xmlns:a16="http://schemas.microsoft.com/office/drawing/2014/main" id="{0547BCB8-18D1-4B80-987C-BFE3289BF31B}"/>
+              </a:ext>
+            </a:extLst>
+          </p:cNvPr>
+          <p:cNvPicPr>
+            <a:picLocks noChangeAspect="1"/>
+          </p:cNvPicPr>
+          <p:nvPr/>
+        </p:nvPicPr>
+        <p:blipFill>
+          <a:blip r:embed="rId2"/>
+          <a:stretch>
+            <a:fillRect/>
+          </a:stretch>
+        </p:blipFill>
+        <p:spPr>
+          <a:xfrm>
+            <a:off x="370084" y="0"/>
+            <a:ext cx="11451832" cy="6858000"/>
+          </a:xfrm>
+          <a:prstGeom prst="rect">
+            <a:avLst/>
+          </a:prstGeom>
+        </p:spPr>
+      </p:pic>
     </p:spTree>
     <p:extLst>
       <p:ext uri="{BB962C8B-B14F-4D97-AF65-F5344CB8AC3E}">
-        <p14:creationId xmlns:p14="http://schemas.microsoft.com/office/powerpoint/2010/main" val="1519339472"/>
+        <p14:creationId xmlns:p14="http://schemas.microsoft.com/office/powerpoint/2010/main" val="1593098392"/>
+      </p:ext>
+    </p:extLst>
+  </p:cSld>
+  <p:clrMapOvr>
+    <a:masterClrMapping/>
+  </p:clrMapOvr>
+</p:sld>
+</file>
+
+<file path=ppt/slides/slide9.xml><?xml version="1.0" encoding="utf-8"?>
+<p:sld xmlns:a="http://schemas.openxmlformats.org/drawingml/2006/main" xmlns:r="http://schemas.openxmlformats.org/officeDocument/2006/relationships" xmlns:p="http://schemas.openxmlformats.org/presentationml/2006/main">
+  <p:cSld>
+    <p:spTree>
+      <p:nvGrpSpPr>
+        <p:cNvPr id="1" name=""/>
+        <p:cNvGrpSpPr/>
+        <p:nvPr/>
+      </p:nvGrpSpPr>
+      <p:grpSpPr>
+        <a:xfrm>
+          <a:off x="0" y="0"/>
+          <a:ext cx="0" cy="0"/>
+          <a:chOff x="0" y="0"/>
+          <a:chExt cx="0" cy="0"/>
+        </a:xfrm>
+      </p:grpSpPr>
+      <p:pic>
+        <p:nvPicPr>
+          <p:cNvPr id="7" name="圖片 6">
+            <a:extLst>
+              <a:ext uri="{FF2B5EF4-FFF2-40B4-BE49-F238E27FC236}">
+                <a16:creationId xmlns:a16="http://schemas.microsoft.com/office/drawing/2014/main" id="{D2449F76-A47B-4A37-AAFE-A3D73023D289}"/>
+              </a:ext>
+            </a:extLst>
+          </p:cNvPr>
+          <p:cNvPicPr>
+            <a:picLocks noChangeAspect="1"/>
+          </p:cNvPicPr>
+          <p:nvPr/>
+        </p:nvPicPr>
+        <p:blipFill>
+          <a:blip r:embed="rId2"/>
+          <a:stretch>
+            <a:fillRect/>
+          </a:stretch>
+        </p:blipFill>
+        <p:spPr>
+          <a:xfrm>
+            <a:off x="370084" y="0"/>
+            <a:ext cx="11451832" cy="6858000"/>
+          </a:xfrm>
+          <a:prstGeom prst="rect">
+            <a:avLst/>
+          </a:prstGeom>
+        </p:spPr>
+      </p:pic>
+    </p:spTree>
+    <p:extLst>
+      <p:ext uri="{BB962C8B-B14F-4D97-AF65-F5344CB8AC3E}">
+        <p14:creationId xmlns:p14="http://schemas.microsoft.com/office/powerpoint/2010/main" val="3065737432"/>
       </p:ext>
     </p:extLst>
   </p:cSld>

--- a/ppt/meeting slide.pptx
+++ b/ppt/meeting slide.pptx
@@ -5,19 +5,18 @@
     <p:sldMasterId id="2147483648" r:id="rId1"/>
   </p:sldMasterIdLst>
   <p:notesMasterIdLst>
-    <p:notesMasterId r:id="rId12"/>
+    <p:notesMasterId r:id="rId11"/>
   </p:notesMasterIdLst>
   <p:sldIdLst>
-    <p:sldId id="256" r:id="rId2"/>
-    <p:sldId id="258" r:id="rId3"/>
-    <p:sldId id="257" r:id="rId4"/>
-    <p:sldId id="260" r:id="rId5"/>
-    <p:sldId id="259" r:id="rId6"/>
-    <p:sldId id="261" r:id="rId7"/>
+    <p:sldId id="258" r:id="rId2"/>
+    <p:sldId id="257" r:id="rId3"/>
+    <p:sldId id="260" r:id="rId4"/>
+    <p:sldId id="259" r:id="rId5"/>
+    <p:sldId id="269" r:id="rId6"/>
+    <p:sldId id="268" r:id="rId7"/>
     <p:sldId id="265" r:id="rId8"/>
     <p:sldId id="267" r:id="rId9"/>
-    <p:sldId id="266" r:id="rId10"/>
-    <p:sldId id="264" r:id="rId11"/>
+    <p:sldId id="270" r:id="rId10"/>
   </p:sldIdLst>
   <p:sldSz cx="12192000" cy="6858000"/>
   <p:notesSz cx="6858000" cy="9144000"/>
@@ -119,30 +118,29 @@
   <p:extLst>
     <p:ext uri="{521415D9-36F7-43E2-AB2F-B90AF26B5E84}">
       <p14:sectionLst xmlns:p14="http://schemas.microsoft.com/office/powerpoint/2010/main">
-        <p14:section name="預設章節" id="{D49EFBC9-D7CA-47AB-A6AD-08E24B51427C}">
-          <p14:sldIdLst>
-            <p14:sldId id="256"/>
-          </p14:sldIdLst>
-        </p14:section>
         <p14:section name="Environmental condition" id="{A3A7444B-C27D-4DD1-8C64-BA087C952E76}">
           <p14:sldIdLst>
             <p14:sldId id="258"/>
           </p14:sldIdLst>
         </p14:section>
-        <p14:section name="Macrofauna" id="{EF565818-95E8-4101-8A9F-30FF7F3C2DCB}">
+        <p14:section name="Macrofauna assemblage" id="{EF565818-95E8-4101-8A9F-30FF7F3C2DCB}">
           <p14:sldIdLst>
             <p14:sldId id="257"/>
             <p14:sldId id="260"/>
+          </p14:sldIdLst>
+        </p14:section>
+        <p14:section name="SS and SCOC" id="{8BC42EBC-9AE8-4142-AC2E-4DD8D3082B12}">
+          <p14:sldIdLst>
             <p14:sldId id="259"/>
-            <p14:sldId id="261"/>
+            <p14:sldId id="269"/>
+            <p14:sldId id="268"/>
           </p14:sldIdLst>
         </p14:section>
         <p14:section name="Polychaete_family" id="{400B639E-59DC-4EE2-8834-0C0DFE6745A2}">
           <p14:sldIdLst>
             <p14:sldId id="265"/>
             <p14:sldId id="267"/>
-            <p14:sldId id="266"/>
-            <p14:sldId id="264"/>
+            <p14:sldId id="270"/>
           </p14:sldIdLst>
         </p14:section>
       </p14:sectionLst>
@@ -247,7 +245,7 @@
           <a:p>
             <a:fld id="{A0249A39-698D-453E-99AB-6046D97AA3C4}" type="datetimeFigureOut">
               <a:rPr lang="en-US" smtClean="0"/>
-              <a:t>8/23/2023</a:t>
+              <a:t>9/1/2023</a:t>
             </a:fld>
             <a:endParaRPr lang="en-US"/>
           </a:p>
@@ -560,9 +558,18 @@
           <a:lstStyle/>
           <a:p>
             <a:r>
-              <a:rPr lang="en-US" dirty="0"/>
-              <a:t>Perhaps, the abundance of peracarids are</a:t>
-            </a:r>
+              <a:rPr lang="en-US" altLang="zh-TW" dirty="0"/>
+              <a:t>TN</a:t>
+            </a:r>
+            <a:r>
+              <a:rPr lang="zh-TW" altLang="en-US" dirty="0"/>
+              <a:t> </a:t>
+            </a:r>
+            <a:r>
+              <a:rPr lang="en-US" altLang="zh-TW" dirty="0"/>
+              <a:t>&amp; porosity can be discussed</a:t>
+            </a:r>
+            <a:endParaRPr lang="en-US" dirty="0"/>
           </a:p>
         </p:txBody>
       </p:sp>
@@ -583,7 +590,7 @@
           <a:p>
             <a:fld id="{7EB0100F-2425-4CF2-8994-60A76DEF38F4}" type="slidenum">
               <a:rPr lang="en-US" smtClean="0"/>
-              <a:t>3</a:t>
+              <a:t>1</a:t>
             </a:fld>
             <a:endParaRPr lang="en-US"/>
           </a:p>
@@ -592,7 +599,7 @@
     </p:spTree>
     <p:extLst>
       <p:ext uri="{BB962C8B-B14F-4D97-AF65-F5344CB8AC3E}">
-        <p14:creationId xmlns:p14="http://schemas.microsoft.com/office/powerpoint/2010/main" val="753226826"/>
+        <p14:creationId xmlns:p14="http://schemas.microsoft.com/office/powerpoint/2010/main" val="990126162"/>
       </p:ext>
     </p:extLst>
   </p:cSld>
@@ -646,65 +653,68 @@
           <a:bodyPr/>
           <a:lstStyle/>
           <a:p>
+            <a:pPr marL="171450" marR="0" lvl="0" indent="-171450" algn="l" defTabSz="914400" rtl="0" eaLnBrk="1" fontAlgn="auto" latinLnBrk="0" hangingPunct="1">
+              <a:lnSpc>
+                <a:spcPct val="100000"/>
+              </a:lnSpc>
+              <a:spcBef>
+                <a:spcPts val="0"/>
+              </a:spcBef>
+              <a:spcAft>
+                <a:spcPts val="0"/>
+              </a:spcAft>
+              <a:buClrTx/>
+              <a:buSzTx/>
+              <a:buFont typeface="Arial" panose="020B0604020202020204" pitchFamily="34" charset="0"/>
+              <a:buChar char="•"/>
+              <a:tabLst/>
+              <a:defRPr/>
+            </a:pPr>
+            <a:r>
+              <a:rPr lang="en-US" sz="1200" dirty="0"/>
+              <a:t>Variation of peracarid abundance were largely captured within the first two PCs</a:t>
+            </a:r>
+          </a:p>
+          <a:p>
+            <a:pPr marL="171450" marR="0" lvl="0" indent="-171450" algn="l" defTabSz="914400" rtl="0" eaLnBrk="1" fontAlgn="auto" latinLnBrk="0" hangingPunct="1">
+              <a:lnSpc>
+                <a:spcPct val="100000"/>
+              </a:lnSpc>
+              <a:spcBef>
+                <a:spcPts val="0"/>
+              </a:spcBef>
+              <a:spcAft>
+                <a:spcPts val="0"/>
+              </a:spcAft>
+              <a:buClrTx/>
+              <a:buSzTx/>
+              <a:buFont typeface="Arial" panose="020B0604020202020204" pitchFamily="34" charset="0"/>
+              <a:buChar char="•"/>
+              <a:tabLst/>
+              <a:defRPr/>
+            </a:pPr>
+            <a:r>
+              <a:rPr lang="en-US" sz="1200" dirty="0"/>
+              <a:t>Biomass composition mainly reflects the presence of large taxa; noticeable groupings were present (if these are non-stochastic)</a:t>
+            </a:r>
+          </a:p>
+          <a:p>
+            <a:endParaRPr lang="en-US" dirty="0"/>
+          </a:p>
+          <a:p>
             <a:r>
               <a:rPr lang="en-US" dirty="0"/>
-              <a:t>Despite PCA based on </a:t>
-            </a:r>
-            <a:r>
-              <a:rPr lang="en-US" dirty="0" err="1"/>
-              <a:t>abundancne</a:t>
-            </a:r>
+              <a:t>Dominant species not included; Bray Curtis might yield different result</a:t>
+            </a:r>
+          </a:p>
+          <a:p>
+            <a:endParaRPr lang="en-US" dirty="0"/>
+          </a:p>
+          <a:p>
             <a:r>
               <a:rPr lang="en-US" dirty="0"/>
-              <a:t> and biomass assemblage showed varying results, RDA showed similar ordination patterns.</a:t>
-            </a:r>
-          </a:p>
-          <a:p>
-            <a:r>
-              <a:rPr lang="en-US" dirty="0"/>
-              <a:t>RDA1 were highly loaded with Temp, TOC, </a:t>
-            </a:r>
-            <a:r>
-              <a:rPr lang="en-US" dirty="0" err="1"/>
-              <a:t>Chla</a:t>
-            </a:r>
-            <a:r>
-              <a:rPr lang="en-US" dirty="0"/>
-              <a:t>, and CN</a:t>
-            </a:r>
-          </a:p>
-          <a:p>
-            <a:r>
-              <a:rPr lang="en-US" dirty="0"/>
-              <a:t>RDA2 was loaded with D50 and Por.</a:t>
-            </a:r>
-          </a:p>
-          <a:p>
-            <a:r>
-              <a:rPr lang="en-US" dirty="0"/>
-              <a:t>The variation of the a </a:t>
-            </a:r>
-            <a:r>
-              <a:rPr lang="en-US" dirty="0" err="1"/>
-              <a:t>bundance</a:t>
-            </a:r>
-            <a:r>
-              <a:rPr lang="en-US" dirty="0"/>
-              <a:t> and biomass of </a:t>
-            </a:r>
-            <a:r>
-              <a:rPr lang="en-US" dirty="0" err="1"/>
-              <a:t>aplacophorans</a:t>
-            </a:r>
-            <a:r>
-              <a:rPr lang="en-US" dirty="0"/>
-              <a:t> and mysids </a:t>
-            </a:r>
-            <a:r>
-              <a:rPr lang="en-US"/>
-              <a:t>were shown.</a:t>
-            </a:r>
-            <a:endParaRPr lang="en-US" dirty="0"/>
+              <a:t>Rethink the ecological meaning; some interaction terms can be removed if no explanation can be sought.</a:t>
+            </a:r>
           </a:p>
         </p:txBody>
       </p:sp>
@@ -725,7 +735,7 @@
           <a:p>
             <a:fld id="{7EB0100F-2425-4CF2-8994-60A76DEF38F4}" type="slidenum">
               <a:rPr lang="en-US" smtClean="0"/>
-              <a:t>4</a:t>
+              <a:t>2</a:t>
             </a:fld>
             <a:endParaRPr lang="en-US"/>
           </a:p>
@@ -734,7 +744,7 @@
     </p:spTree>
     <p:extLst>
       <p:ext uri="{BB962C8B-B14F-4D97-AF65-F5344CB8AC3E}">
-        <p14:creationId xmlns:p14="http://schemas.microsoft.com/office/powerpoint/2010/main" val="3246609639"/>
+        <p14:creationId xmlns:p14="http://schemas.microsoft.com/office/powerpoint/2010/main" val="753226826"/>
       </p:ext>
     </p:extLst>
   </p:cSld>
@@ -788,6 +798,144 @@
           <a:bodyPr/>
           <a:lstStyle/>
           <a:p>
+            <a:pPr marL="171450" indent="-171450">
+              <a:buFont typeface="Arial" panose="020B0604020202020204" pitchFamily="34" charset="0"/>
+              <a:buChar char="•"/>
+            </a:pPr>
+            <a:r>
+              <a:rPr lang="en-US" dirty="0"/>
+              <a:t>Forward selection picks out dominant environmental drivers by maximizing the adjusted R2 (ordiR2step) or </a:t>
+            </a:r>
+          </a:p>
+          <a:p>
+            <a:pPr marL="171450" indent="-171450">
+              <a:buFont typeface="Arial" panose="020B0604020202020204" pitchFamily="34" charset="0"/>
+              <a:buChar char="•"/>
+            </a:pPr>
+            <a:r>
+              <a:rPr lang="en-US" dirty="0"/>
+              <a:t>Backward selection removes variables that does not affect the model fit by statistically comparing the model fit before and after the removal.</a:t>
+            </a:r>
+          </a:p>
+          <a:p>
+            <a:pPr marL="171450" indent="-171450">
+              <a:buFont typeface="Arial" panose="020B0604020202020204" pitchFamily="34" charset="0"/>
+              <a:buChar char="•"/>
+            </a:pPr>
+            <a:endParaRPr lang="en-US" dirty="0"/>
+          </a:p>
+          <a:p>
+            <a:pPr marL="171450" indent="-171450">
+              <a:buFont typeface="Arial" panose="020B0604020202020204" pitchFamily="34" charset="0"/>
+              <a:buChar char="•"/>
+            </a:pPr>
+            <a:r>
+              <a:rPr lang="en-US" dirty="0"/>
+              <a:t>Scale the species vectors</a:t>
+            </a:r>
+          </a:p>
+          <a:p>
+            <a:pPr marL="171450" indent="-171450">
+              <a:buFont typeface="Arial" panose="020B0604020202020204" pitchFamily="34" charset="0"/>
+              <a:buChar char="•"/>
+            </a:pPr>
+            <a:r>
+              <a:rPr lang="en-US" dirty="0"/>
+              <a:t>Write your discussion biomass</a:t>
+            </a:r>
+          </a:p>
+          <a:p>
+            <a:pPr marL="171450" indent="-171450">
+              <a:buFont typeface="Arial" panose="020B0604020202020204" pitchFamily="34" charset="0"/>
+              <a:buChar char="•"/>
+            </a:pPr>
+            <a:r>
+              <a:rPr lang="en-US" dirty="0"/>
+              <a:t>Try to plot something to describe the relationship between taxa and size</a:t>
+            </a:r>
+          </a:p>
+        </p:txBody>
+      </p:sp>
+      <p:sp>
+        <p:nvSpPr>
+          <p:cNvPr id="4" name="投影片編號版面配置區 3"/>
+          <p:cNvSpPr>
+            <a:spLocks noGrp="1"/>
+          </p:cNvSpPr>
+          <p:nvPr>
+            <p:ph type="sldNum" sz="quarter" idx="5"/>
+          </p:nvPr>
+        </p:nvSpPr>
+        <p:spPr/>
+        <p:txBody>
+          <a:bodyPr/>
+          <a:lstStyle/>
+          <a:p>
+            <a:fld id="{7EB0100F-2425-4CF2-8994-60A76DEF38F4}" type="slidenum">
+              <a:rPr lang="en-US" smtClean="0"/>
+              <a:t>3</a:t>
+            </a:fld>
+            <a:endParaRPr lang="en-US"/>
+          </a:p>
+        </p:txBody>
+      </p:sp>
+    </p:spTree>
+    <p:extLst>
+      <p:ext uri="{BB962C8B-B14F-4D97-AF65-F5344CB8AC3E}">
+        <p14:creationId xmlns:p14="http://schemas.microsoft.com/office/powerpoint/2010/main" val="3246609639"/>
+      </p:ext>
+    </p:extLst>
+  </p:cSld>
+  <p:clrMapOvr>
+    <a:masterClrMapping/>
+  </p:clrMapOvr>
+</p:notes>
+</file>
+
+<file path=ppt/notesSlides/notesSlide4.xml><?xml version="1.0" encoding="utf-8"?>
+<p:notes xmlns:a="http://schemas.openxmlformats.org/drawingml/2006/main" xmlns:r="http://schemas.openxmlformats.org/officeDocument/2006/relationships" xmlns:p="http://schemas.openxmlformats.org/presentationml/2006/main">
+  <p:cSld>
+    <p:spTree>
+      <p:nvGrpSpPr>
+        <p:cNvPr id="1" name=""/>
+        <p:cNvGrpSpPr/>
+        <p:nvPr/>
+      </p:nvGrpSpPr>
+      <p:grpSpPr>
+        <a:xfrm>
+          <a:off x="0" y="0"/>
+          <a:ext cx="0" cy="0"/>
+          <a:chOff x="0" y="0"/>
+          <a:chExt cx="0" cy="0"/>
+        </a:xfrm>
+      </p:grpSpPr>
+      <p:sp>
+        <p:nvSpPr>
+          <p:cNvPr id="2" name="投影片影像版面配置區 1"/>
+          <p:cNvSpPr>
+            <a:spLocks noGrp="1" noRot="1" noChangeAspect="1"/>
+          </p:cNvSpPr>
+          <p:nvPr>
+            <p:ph type="sldImg"/>
+          </p:nvPr>
+        </p:nvSpPr>
+        <p:spPr/>
+      </p:sp>
+      <p:sp>
+        <p:nvSpPr>
+          <p:cNvPr id="3" name="備忘稿版面配置區 2"/>
+          <p:cNvSpPr>
+            <a:spLocks noGrp="1"/>
+          </p:cNvSpPr>
+          <p:nvPr>
+            <p:ph type="body" idx="1"/>
+          </p:nvPr>
+        </p:nvSpPr>
+        <p:spPr/>
+        <p:txBody>
+          <a:bodyPr/>
+          <a:lstStyle/>
+          <a:p>
             <a:r>
               <a:rPr lang="en-US" dirty="0"/>
               <a:t>Only include complete and head intact specimen since the ecological question is about how many recognizable individuals.</a:t>
@@ -828,6 +976,90 @@
     <p:extLst>
       <p:ext uri="{BB962C8B-B14F-4D97-AF65-F5344CB8AC3E}">
         <p14:creationId xmlns:p14="http://schemas.microsoft.com/office/powerpoint/2010/main" val="2908165362"/>
+      </p:ext>
+    </p:extLst>
+  </p:cSld>
+  <p:clrMapOvr>
+    <a:masterClrMapping/>
+  </p:clrMapOvr>
+</p:notes>
+</file>
+
+<file path=ppt/notesSlides/notesSlide5.xml><?xml version="1.0" encoding="utf-8"?>
+<p:notes xmlns:a="http://schemas.openxmlformats.org/drawingml/2006/main" xmlns:r="http://schemas.openxmlformats.org/officeDocument/2006/relationships" xmlns:p="http://schemas.openxmlformats.org/presentationml/2006/main">
+  <p:cSld>
+    <p:spTree>
+      <p:nvGrpSpPr>
+        <p:cNvPr id="1" name=""/>
+        <p:cNvGrpSpPr/>
+        <p:nvPr/>
+      </p:nvGrpSpPr>
+      <p:grpSpPr>
+        <a:xfrm>
+          <a:off x="0" y="0"/>
+          <a:ext cx="0" cy="0"/>
+          <a:chOff x="0" y="0"/>
+          <a:chExt cx="0" cy="0"/>
+        </a:xfrm>
+      </p:grpSpPr>
+      <p:sp>
+        <p:nvSpPr>
+          <p:cNvPr id="2" name="投影片影像版面配置區 1"/>
+          <p:cNvSpPr>
+            <a:spLocks noGrp="1" noRot="1" noChangeAspect="1"/>
+          </p:cNvSpPr>
+          <p:nvPr>
+            <p:ph type="sldImg"/>
+          </p:nvPr>
+        </p:nvSpPr>
+        <p:spPr/>
+      </p:sp>
+      <p:sp>
+        <p:nvSpPr>
+          <p:cNvPr id="3" name="備忘稿版面配置區 2"/>
+          <p:cNvSpPr>
+            <a:spLocks noGrp="1"/>
+          </p:cNvSpPr>
+          <p:nvPr>
+            <p:ph type="body" idx="1"/>
+          </p:nvPr>
+        </p:nvSpPr>
+        <p:spPr/>
+        <p:txBody>
+          <a:bodyPr/>
+          <a:lstStyle/>
+          <a:p>
+            <a:endParaRPr lang="en-US" dirty="0"/>
+          </a:p>
+        </p:txBody>
+      </p:sp>
+      <p:sp>
+        <p:nvSpPr>
+          <p:cNvPr id="4" name="投影片編號版面配置區 3"/>
+          <p:cNvSpPr>
+            <a:spLocks noGrp="1"/>
+          </p:cNvSpPr>
+          <p:nvPr>
+            <p:ph type="sldNum" sz="quarter" idx="5"/>
+          </p:nvPr>
+        </p:nvSpPr>
+        <p:spPr/>
+        <p:txBody>
+          <a:bodyPr/>
+          <a:lstStyle/>
+          <a:p>
+            <a:fld id="{7EB0100F-2425-4CF2-8994-60A76DEF38F4}" type="slidenum">
+              <a:rPr lang="en-US" smtClean="0"/>
+              <a:t>9</a:t>
+            </a:fld>
+            <a:endParaRPr lang="en-US"/>
+          </a:p>
+        </p:txBody>
+      </p:sp>
+    </p:spTree>
+    <p:extLst>
+      <p:ext uri="{BB962C8B-B14F-4D97-AF65-F5344CB8AC3E}">
+        <p14:creationId xmlns:p14="http://schemas.microsoft.com/office/powerpoint/2010/main" val="2124368197"/>
       </p:ext>
     </p:extLst>
   </p:cSld>
@@ -986,7 +1218,7 @@
           <a:p>
             <a:fld id="{C842EE51-9306-4152-B059-205B3B593970}" type="datetimeFigureOut">
               <a:rPr lang="en-US" smtClean="0"/>
-              <a:t>8/23/2023</a:t>
+              <a:t>9/1/2023</a:t>
             </a:fld>
             <a:endParaRPr lang="en-US"/>
           </a:p>
@@ -1186,7 +1418,7 @@
           <a:p>
             <a:fld id="{C842EE51-9306-4152-B059-205B3B593970}" type="datetimeFigureOut">
               <a:rPr lang="en-US" smtClean="0"/>
-              <a:t>8/23/2023</a:t>
+              <a:t>9/1/2023</a:t>
             </a:fld>
             <a:endParaRPr lang="en-US"/>
           </a:p>
@@ -1396,7 +1628,7 @@
           <a:p>
             <a:fld id="{C842EE51-9306-4152-B059-205B3B593970}" type="datetimeFigureOut">
               <a:rPr lang="en-US" smtClean="0"/>
-              <a:t>8/23/2023</a:t>
+              <a:t>9/1/2023</a:t>
             </a:fld>
             <a:endParaRPr lang="en-US"/>
           </a:p>
@@ -1596,7 +1828,7 @@
           <a:p>
             <a:fld id="{C842EE51-9306-4152-B059-205B3B593970}" type="datetimeFigureOut">
               <a:rPr lang="en-US" smtClean="0"/>
-              <a:t>8/23/2023</a:t>
+              <a:t>9/1/2023</a:t>
             </a:fld>
             <a:endParaRPr lang="en-US"/>
           </a:p>
@@ -1872,7 +2104,7 @@
           <a:p>
             <a:fld id="{C842EE51-9306-4152-B059-205B3B593970}" type="datetimeFigureOut">
               <a:rPr lang="en-US" smtClean="0"/>
-              <a:t>8/23/2023</a:t>
+              <a:t>9/1/2023</a:t>
             </a:fld>
             <a:endParaRPr lang="en-US"/>
           </a:p>
@@ -2140,7 +2372,7 @@
           <a:p>
             <a:fld id="{C842EE51-9306-4152-B059-205B3B593970}" type="datetimeFigureOut">
               <a:rPr lang="en-US" smtClean="0"/>
-              <a:t>8/23/2023</a:t>
+              <a:t>9/1/2023</a:t>
             </a:fld>
             <a:endParaRPr lang="en-US"/>
           </a:p>
@@ -2555,7 +2787,7 @@
           <a:p>
             <a:fld id="{C842EE51-9306-4152-B059-205B3B593970}" type="datetimeFigureOut">
               <a:rPr lang="en-US" smtClean="0"/>
-              <a:t>8/23/2023</a:t>
+              <a:t>9/1/2023</a:t>
             </a:fld>
             <a:endParaRPr lang="en-US"/>
           </a:p>
@@ -2697,7 +2929,7 @@
           <a:p>
             <a:fld id="{C842EE51-9306-4152-B059-205B3B593970}" type="datetimeFigureOut">
               <a:rPr lang="en-US" smtClean="0"/>
-              <a:t>8/23/2023</a:t>
+              <a:t>9/1/2023</a:t>
             </a:fld>
             <a:endParaRPr lang="en-US"/>
           </a:p>
@@ -2810,7 +3042,7 @@
           <a:p>
             <a:fld id="{C842EE51-9306-4152-B059-205B3B593970}" type="datetimeFigureOut">
               <a:rPr lang="en-US" smtClean="0"/>
-              <a:t>8/23/2023</a:t>
+              <a:t>9/1/2023</a:t>
             </a:fld>
             <a:endParaRPr lang="en-US"/>
           </a:p>
@@ -3123,7 +3355,7 @@
           <a:p>
             <a:fld id="{C842EE51-9306-4152-B059-205B3B593970}" type="datetimeFigureOut">
               <a:rPr lang="en-US" smtClean="0"/>
-              <a:t>8/23/2023</a:t>
+              <a:t>9/1/2023</a:t>
             </a:fld>
             <a:endParaRPr lang="en-US"/>
           </a:p>
@@ -3412,7 +3644,7 @@
           <a:p>
             <a:fld id="{C842EE51-9306-4152-B059-205B3B593970}" type="datetimeFigureOut">
               <a:rPr lang="en-US" smtClean="0"/>
-              <a:t>8/23/2023</a:t>
+              <a:t>9/1/2023</a:t>
             </a:fld>
             <a:endParaRPr lang="en-US"/>
           </a:p>
@@ -3655,7 +3887,7 @@
           <a:p>
             <a:fld id="{C842EE51-9306-4152-B059-205B3B593970}" type="datetimeFigureOut">
               <a:rPr lang="en-US" smtClean="0"/>
-              <a:t>8/23/2023</a:t>
+              <a:t>9/1/2023</a:t>
             </a:fld>
             <a:endParaRPr lang="en-US"/>
           </a:p>
@@ -4072,160 +4304,228 @@
           <a:chExt cx="0" cy="0"/>
         </a:xfrm>
       </p:grpSpPr>
-      <p:sp>
-        <p:nvSpPr>
-          <p:cNvPr id="2" name="標題 1">
-            <a:extLst>
-              <a:ext uri="{FF2B5EF4-FFF2-40B4-BE49-F238E27FC236}">
-                <a16:creationId xmlns:a16="http://schemas.microsoft.com/office/drawing/2014/main" id="{5C077ED9-BAD9-468A-A272-AEF70E3EAB6F}"/>
-              </a:ext>
-            </a:extLst>
-          </p:cNvPr>
-          <p:cNvSpPr>
-            <a:spLocks noGrp="1"/>
-          </p:cNvSpPr>
-          <p:nvPr>
-            <p:ph type="ctrTitle"/>
-          </p:nvPr>
-        </p:nvSpPr>
-        <p:spPr/>
-        <p:txBody>
-          <a:bodyPr/>
-          <a:lstStyle/>
-          <a:p>
+      <p:pic>
+        <p:nvPicPr>
+          <p:cNvPr id="5" name="圖片 4">
+            <a:extLst>
+              <a:ext uri="{FF2B5EF4-FFF2-40B4-BE49-F238E27FC236}">
+                <a16:creationId xmlns:a16="http://schemas.microsoft.com/office/drawing/2014/main" id="{9C085831-5B77-4ED1-8A53-1C81B0E7238B}"/>
+              </a:ext>
+            </a:extLst>
+          </p:cNvPr>
+          <p:cNvPicPr>
+            <a:picLocks noChangeAspect="1"/>
+          </p:cNvPicPr>
+          <p:nvPr/>
+        </p:nvPicPr>
+        <p:blipFill rotWithShape="1">
+          <a:blip r:embed="rId3">
+            <a:extLst>
+              <a:ext uri="{28A0092B-C50C-407E-A947-70E740481C1C}">
+                <a14:useLocalDpi xmlns:a14="http://schemas.microsoft.com/office/drawing/2010/main" val="0"/>
+              </a:ext>
+            </a:extLst>
+          </a:blip>
+          <a:srcRect l="10185" r="10417"/>
+          <a:stretch/>
+        </p:blipFill>
+        <p:spPr>
+          <a:xfrm>
+            <a:off x="6980681" y="1648483"/>
+            <a:ext cx="5211319" cy="4922655"/>
+          </a:xfrm>
+          <a:prstGeom prst="rect">
+            <a:avLst/>
+          </a:prstGeom>
+        </p:spPr>
+      </p:pic>
+      <p:sp>
+        <p:nvSpPr>
+          <p:cNvPr id="7" name="文字方塊 6">
+            <a:extLst>
+              <a:ext uri="{FF2B5EF4-FFF2-40B4-BE49-F238E27FC236}">
+                <a16:creationId xmlns:a16="http://schemas.microsoft.com/office/drawing/2014/main" id="{65921495-DF94-4289-A871-3B00F8F111E7}"/>
+              </a:ext>
+            </a:extLst>
+          </p:cNvPr>
+          <p:cNvSpPr txBox="1"/>
+          <p:nvPr/>
+        </p:nvSpPr>
+        <p:spPr>
+          <a:xfrm>
+            <a:off x="265186" y="183345"/>
+            <a:ext cx="5173134" cy="461665"/>
+          </a:xfrm>
+          <a:prstGeom prst="rect">
+            <a:avLst/>
+          </a:prstGeom>
+          <a:noFill/>
+        </p:spPr>
+        <p:txBody>
+          <a:bodyPr wrap="square" rtlCol="0">
+            <a:spAutoFit/>
+          </a:bodyPr>
+          <a:lstStyle/>
+          <a:p>
+            <a:r>
+              <a:rPr lang="en-US" sz="2400" dirty="0"/>
+              <a:t>Environmental data</a:t>
+            </a:r>
+          </a:p>
+        </p:txBody>
+      </p:sp>
+      <p:sp>
+        <p:nvSpPr>
+          <p:cNvPr id="8" name="文字方塊 7">
+            <a:extLst>
+              <a:ext uri="{FF2B5EF4-FFF2-40B4-BE49-F238E27FC236}">
+                <a16:creationId xmlns:a16="http://schemas.microsoft.com/office/drawing/2014/main" id="{4737E370-1481-4428-B036-524431CB043E}"/>
+              </a:ext>
+            </a:extLst>
+          </p:cNvPr>
+          <p:cNvSpPr txBox="1"/>
+          <p:nvPr/>
+        </p:nvSpPr>
+        <p:spPr>
+          <a:xfrm>
+            <a:off x="394639" y="725927"/>
+            <a:ext cx="6816146" cy="1477328"/>
+          </a:xfrm>
+          <a:prstGeom prst="rect">
+            <a:avLst/>
+          </a:prstGeom>
+          <a:noFill/>
+        </p:spPr>
+        <p:txBody>
+          <a:bodyPr wrap="square" rtlCol="0">
+            <a:spAutoFit/>
+          </a:bodyPr>
+          <a:lstStyle/>
+          <a:p>
+            <a:pPr marL="285750" indent="-285750">
+              <a:buFont typeface="Arial" panose="020B0604020202020204" pitchFamily="34" charset="0"/>
+              <a:buChar char="•"/>
+            </a:pPr>
+            <a:r>
+              <a:rPr lang="en-US" dirty="0"/>
+              <a:t>Depth and DRM were not included for this PCA and later analyses</a:t>
+            </a:r>
+          </a:p>
+          <a:p>
+            <a:pPr marL="285750" indent="-285750">
+              <a:buFont typeface="Arial" panose="020B0604020202020204" pitchFamily="34" charset="0"/>
+              <a:buChar char="•"/>
+            </a:pPr>
+            <a:r>
+              <a:rPr lang="en-US" dirty="0"/>
+              <a:t>Variables with |r| &gt; 0.7 and/or ecologically irrelevant were omitted</a:t>
+            </a:r>
+          </a:p>
+          <a:p>
+            <a:pPr marL="742950" lvl="1" indent="-285750">
+              <a:buFont typeface="Arial" panose="020B0604020202020204" pitchFamily="34" charset="0"/>
+              <a:buChar char="•"/>
+            </a:pPr>
+            <a:r>
+              <a:rPr lang="en-US" dirty="0"/>
+              <a:t>Sal, Trans, Dens, Temp are highly correlated </a:t>
+            </a:r>
+            <a:r>
+              <a:rPr lang="en-US" dirty="0">
+                <a:sym typeface="Wingdings" panose="05000000000000000000" pitchFamily="2" charset="2"/>
+              </a:rPr>
+              <a:t> choosing Temp</a:t>
+            </a:r>
             <a:endParaRPr lang="en-US" dirty="0"/>
           </a:p>
-        </p:txBody>
-      </p:sp>
-      <p:sp>
-        <p:nvSpPr>
-          <p:cNvPr id="3" name="副標題 2">
-            <a:extLst>
-              <a:ext uri="{FF2B5EF4-FFF2-40B4-BE49-F238E27FC236}">
-                <a16:creationId xmlns:a16="http://schemas.microsoft.com/office/drawing/2014/main" id="{1D0C6527-F009-4D69-92E2-6A6151521B82}"/>
-              </a:ext>
-            </a:extLst>
-          </p:cNvPr>
-          <p:cNvSpPr>
-            <a:spLocks noGrp="1"/>
-          </p:cNvSpPr>
-          <p:nvPr>
-            <p:ph type="subTitle" idx="1"/>
-          </p:nvPr>
-        </p:nvSpPr>
-        <p:spPr/>
-        <p:txBody>
-          <a:bodyPr/>
-          <a:lstStyle/>
-          <a:p>
-            <a:endParaRPr lang="en-US"/>
-          </a:p>
-        </p:txBody>
-      </p:sp>
+          <a:p>
+            <a:pPr marL="742950" lvl="1" indent="-285750">
+              <a:buFont typeface="Arial" panose="020B0604020202020204" pitchFamily="34" charset="0"/>
+              <a:buChar char="•"/>
+            </a:pPr>
+            <a:r>
+              <a:rPr lang="en-US" dirty="0"/>
+              <a:t>Delta 13 C and </a:t>
+            </a:r>
+            <a:r>
+              <a:rPr lang="en-US" dirty="0" err="1"/>
+              <a:t>Chla</a:t>
+            </a:r>
+            <a:r>
+              <a:rPr lang="en-US" dirty="0"/>
+              <a:t> negatively correlated </a:t>
+            </a:r>
+            <a:r>
+              <a:rPr lang="en-US" dirty="0">
+                <a:sym typeface="Wingdings" panose="05000000000000000000" pitchFamily="2" charset="2"/>
+              </a:rPr>
+              <a:t> choosing </a:t>
+            </a:r>
+            <a:r>
+              <a:rPr lang="en-US" dirty="0" err="1">
+                <a:sym typeface="Wingdings" panose="05000000000000000000" pitchFamily="2" charset="2"/>
+              </a:rPr>
+              <a:t>Chla</a:t>
+            </a:r>
+            <a:endParaRPr lang="en-US" dirty="0">
+              <a:sym typeface="Wingdings" panose="05000000000000000000" pitchFamily="2" charset="2"/>
+            </a:endParaRPr>
+          </a:p>
+          <a:p>
+            <a:pPr marL="742950" lvl="1" indent="-285750">
+              <a:buFont typeface="Arial" panose="020B0604020202020204" pitchFamily="34" charset="0"/>
+              <a:buChar char="•"/>
+            </a:pPr>
+            <a:r>
+              <a:rPr lang="en-US" dirty="0">
+                <a:sym typeface="Wingdings" panose="05000000000000000000" pitchFamily="2" charset="2"/>
+              </a:rPr>
+              <a:t>TN correlated with Porosity  choosing Por</a:t>
+            </a:r>
+            <a:endParaRPr lang="en-US" dirty="0"/>
+          </a:p>
+        </p:txBody>
+      </p:sp>
+      <p:pic>
+        <p:nvPicPr>
+          <p:cNvPr id="10" name="圖片 9">
+            <a:extLst>
+              <a:ext uri="{FF2B5EF4-FFF2-40B4-BE49-F238E27FC236}">
+                <a16:creationId xmlns:a16="http://schemas.microsoft.com/office/drawing/2014/main" id="{F1ED307E-3F67-469E-B8C1-41491B176802}"/>
+              </a:ext>
+            </a:extLst>
+          </p:cNvPr>
+          <p:cNvPicPr>
+            <a:picLocks noChangeAspect="1"/>
+          </p:cNvPicPr>
+          <p:nvPr/>
+        </p:nvPicPr>
+        <p:blipFill>
+          <a:blip r:embed="rId4">
+            <a:extLst>
+              <a:ext uri="{28A0092B-C50C-407E-A947-70E740481C1C}">
+                <a14:useLocalDpi xmlns:a14="http://schemas.microsoft.com/office/drawing/2010/main" val="0"/>
+              </a:ext>
+            </a:extLst>
+          </a:blip>
+          <a:stretch>
+            <a:fillRect/>
+          </a:stretch>
+        </p:blipFill>
+        <p:spPr>
+          <a:xfrm>
+            <a:off x="113501" y="2570672"/>
+            <a:ext cx="6753680" cy="4000466"/>
+          </a:xfrm>
+          <a:prstGeom prst="rect">
+            <a:avLst/>
+          </a:prstGeom>
+        </p:spPr>
+      </p:pic>
     </p:spTree>
     <p:extLst>
       <p:ext uri="{BB962C8B-B14F-4D97-AF65-F5344CB8AC3E}">
-        <p14:creationId xmlns:p14="http://schemas.microsoft.com/office/powerpoint/2010/main" val="1512386122"/>
-      </p:ext>
-    </p:extLst>
-  </p:cSld>
-  <p:clrMapOvr>
-    <a:masterClrMapping/>
-  </p:clrMapOvr>
-</p:sld>
-</file>
-
-<file path=ppt/slides/slide10.xml><?xml version="1.0" encoding="utf-8"?>
-<p:sld xmlns:a="http://schemas.openxmlformats.org/drawingml/2006/main" xmlns:r="http://schemas.openxmlformats.org/officeDocument/2006/relationships" xmlns:p="http://schemas.openxmlformats.org/presentationml/2006/main">
-  <p:cSld>
-    <p:spTree>
-      <p:nvGrpSpPr>
-        <p:cNvPr id="1" name=""/>
-        <p:cNvGrpSpPr/>
-        <p:nvPr/>
-      </p:nvGrpSpPr>
-      <p:grpSpPr>
-        <a:xfrm>
-          <a:off x="0" y="0"/>
-          <a:ext cx="0" cy="0"/>
-          <a:chOff x="0" y="0"/>
-          <a:chExt cx="0" cy="0"/>
-        </a:xfrm>
-      </p:grpSpPr>
-      <p:sp>
-        <p:nvSpPr>
-          <p:cNvPr id="2" name="標題 1">
-            <a:extLst>
-              <a:ext uri="{FF2B5EF4-FFF2-40B4-BE49-F238E27FC236}">
-                <a16:creationId xmlns:a16="http://schemas.microsoft.com/office/drawing/2014/main" id="{6AE236F5-B8D7-43B5-B83D-6E792367A902}"/>
-              </a:ext>
-            </a:extLst>
-          </p:cNvPr>
-          <p:cNvSpPr>
-            <a:spLocks noGrp="1"/>
-          </p:cNvSpPr>
-          <p:nvPr>
-            <p:ph type="title"/>
-          </p:nvPr>
-        </p:nvSpPr>
-        <p:spPr/>
-        <p:txBody>
-          <a:bodyPr/>
-          <a:lstStyle/>
-          <a:p>
-            <a:r>
-              <a:rPr lang="en-US" dirty="0"/>
-              <a:t>General conclusion</a:t>
-            </a:r>
-          </a:p>
-        </p:txBody>
-      </p:sp>
-      <p:sp>
-        <p:nvSpPr>
-          <p:cNvPr id="3" name="內容版面配置區 2">
-            <a:extLst>
-              <a:ext uri="{FF2B5EF4-FFF2-40B4-BE49-F238E27FC236}">
-                <a16:creationId xmlns:a16="http://schemas.microsoft.com/office/drawing/2014/main" id="{50D61BEA-DA67-4502-824F-D4C4C81D72A4}"/>
-              </a:ext>
-            </a:extLst>
-          </p:cNvPr>
-          <p:cNvSpPr>
-            <a:spLocks noGrp="1"/>
-          </p:cNvSpPr>
-          <p:nvPr>
-            <p:ph idx="1"/>
-          </p:nvPr>
-        </p:nvSpPr>
-        <p:spPr/>
-        <p:txBody>
-          <a:bodyPr/>
-          <a:lstStyle/>
-          <a:p>
-            <a:r>
-              <a:rPr lang="en-US" dirty="0"/>
-              <a:t>Soft sediments in the GRS is spatiotemporally complex</a:t>
-            </a:r>
-          </a:p>
-          <a:p>
-            <a:r>
-              <a:rPr lang="en-US" dirty="0"/>
-              <a:t>Space plays a </a:t>
-            </a:r>
-            <a:r>
-              <a:rPr lang="en-US"/>
-              <a:t>huge role on </a:t>
-            </a:r>
-            <a:r>
-              <a:rPr lang="en-US" dirty="0"/>
-              <a:t>temporal change (deeper communities were not affected by riverine sediment discharge)</a:t>
-            </a:r>
-          </a:p>
-        </p:txBody>
-      </p:sp>
-    </p:spTree>
-    <p:extLst>
-      <p:ext uri="{BB962C8B-B14F-4D97-AF65-F5344CB8AC3E}">
-        <p14:creationId xmlns:p14="http://schemas.microsoft.com/office/powerpoint/2010/main" val="1519339472"/>
+        <p14:creationId xmlns:p14="http://schemas.microsoft.com/office/powerpoint/2010/main" val="3937871566"/>
       </p:ext>
     </p:extLst>
   </p:cSld>
@@ -4252,12 +4552,124 @@
           <a:chExt cx="0" cy="0"/>
         </a:xfrm>
       </p:grpSpPr>
+      <p:sp>
+        <p:nvSpPr>
+          <p:cNvPr id="10" name="文字方塊 9">
+            <a:extLst>
+              <a:ext uri="{FF2B5EF4-FFF2-40B4-BE49-F238E27FC236}">
+                <a16:creationId xmlns:a16="http://schemas.microsoft.com/office/drawing/2014/main" id="{B64EDA53-49AF-4898-8F69-44070E3217E1}"/>
+              </a:ext>
+            </a:extLst>
+          </p:cNvPr>
+          <p:cNvSpPr txBox="1"/>
+          <p:nvPr/>
+        </p:nvSpPr>
+        <p:spPr>
+          <a:xfrm>
+            <a:off x="6053666" y="659112"/>
+            <a:ext cx="3150718" cy="369332"/>
+          </a:xfrm>
+          <a:prstGeom prst="rect">
+            <a:avLst/>
+          </a:prstGeom>
+          <a:noFill/>
+        </p:spPr>
+        <p:txBody>
+          <a:bodyPr wrap="square" rtlCol="0">
+            <a:spAutoFit/>
+          </a:bodyPr>
+          <a:lstStyle/>
+          <a:p>
+            <a:r>
+              <a:rPr lang="en-US" dirty="0"/>
+              <a:t>Biomass, exponent = 0.1</a:t>
+            </a:r>
+          </a:p>
+        </p:txBody>
+      </p:sp>
+      <p:sp>
+        <p:nvSpPr>
+          <p:cNvPr id="11" name="文字方塊 10">
+            <a:extLst>
+              <a:ext uri="{FF2B5EF4-FFF2-40B4-BE49-F238E27FC236}">
+                <a16:creationId xmlns:a16="http://schemas.microsoft.com/office/drawing/2014/main" id="{4CDC0EFA-3DEC-4203-AF64-9C5DFA684FF3}"/>
+              </a:ext>
+            </a:extLst>
+          </p:cNvPr>
+          <p:cNvSpPr txBox="1"/>
+          <p:nvPr/>
+        </p:nvSpPr>
+        <p:spPr>
+          <a:xfrm>
+            <a:off x="880533" y="659112"/>
+            <a:ext cx="2440636" cy="369332"/>
+          </a:xfrm>
+          <a:prstGeom prst="rect">
+            <a:avLst/>
+          </a:prstGeom>
+          <a:noFill/>
+        </p:spPr>
+        <p:txBody>
+          <a:bodyPr wrap="square" rtlCol="0">
+            <a:spAutoFit/>
+          </a:bodyPr>
+          <a:lstStyle/>
+          <a:p>
+            <a:r>
+              <a:rPr lang="en-US" dirty="0"/>
+              <a:t>Count, exponent = 0.3</a:t>
+            </a:r>
+          </a:p>
+        </p:txBody>
+      </p:sp>
+      <p:sp>
+        <p:nvSpPr>
+          <p:cNvPr id="13" name="文字方塊 12">
+            <a:extLst>
+              <a:ext uri="{FF2B5EF4-FFF2-40B4-BE49-F238E27FC236}">
+                <a16:creationId xmlns:a16="http://schemas.microsoft.com/office/drawing/2014/main" id="{DB86A2AA-6309-4D97-86F3-330D851B5B82}"/>
+              </a:ext>
+            </a:extLst>
+          </p:cNvPr>
+          <p:cNvSpPr txBox="1"/>
+          <p:nvPr/>
+        </p:nvSpPr>
+        <p:spPr>
+          <a:xfrm>
+            <a:off x="287866" y="41318"/>
+            <a:ext cx="10828867" cy="738664"/>
+          </a:xfrm>
+          <a:prstGeom prst="rect">
+            <a:avLst/>
+          </a:prstGeom>
+          <a:noFill/>
+        </p:spPr>
+        <p:txBody>
+          <a:bodyPr wrap="square" rtlCol="0">
+            <a:spAutoFit/>
+          </a:bodyPr>
+          <a:lstStyle/>
+          <a:p>
+            <a:r>
+              <a:rPr lang="en-US" sz="2400" dirty="0"/>
+              <a:t>Box-Cox-chord transformed assemblage PCA, scaling 1</a:t>
+            </a:r>
+            <a:br>
+              <a:rPr lang="en-US" sz="2400" dirty="0"/>
+            </a:br>
+            <a:r>
+              <a:rPr lang="en-US" dirty="0"/>
+              <a:t>only taxa with &gt;40% variance explained by the first two axes were shown</a:t>
+            </a:r>
+          </a:p>
+        </p:txBody>
+      </p:sp>
       <p:pic>
         <p:nvPicPr>
-          <p:cNvPr id="5" name="圖片 4">
-            <a:extLst>
-              <a:ext uri="{FF2B5EF4-FFF2-40B4-BE49-F238E27FC236}">
-                <a16:creationId xmlns:a16="http://schemas.microsoft.com/office/drawing/2014/main" id="{9C085831-5B77-4ED1-8A53-1C81B0E7238B}"/>
+          <p:cNvPr id="3" name="圖片 2">
+            <a:extLst>
+              <a:ext uri="{FF2B5EF4-FFF2-40B4-BE49-F238E27FC236}">
+                <a16:creationId xmlns:a16="http://schemas.microsoft.com/office/drawing/2014/main" id="{0A92316E-8CA2-40DC-BFAD-E1FD5AA36116}"/>
               </a:ext>
             </a:extLst>
           </p:cNvPr>
@@ -4267,179 +4679,67 @@
           <p:nvPr/>
         </p:nvPicPr>
         <p:blipFill rotWithShape="1">
-          <a:blip r:embed="rId2">
+          <a:blip r:embed="rId3">
             <a:extLst>
               <a:ext uri="{28A0092B-C50C-407E-A947-70E740481C1C}">
                 <a14:useLocalDpi xmlns:a14="http://schemas.microsoft.com/office/drawing/2010/main" val="0"/>
               </a:ext>
             </a:extLst>
           </a:blip>
-          <a:srcRect l="10185" r="10417"/>
+          <a:srcRect r="22098"/>
           <a:stretch/>
         </p:blipFill>
         <p:spPr>
           <a:xfrm>
-            <a:off x="6980681" y="1648483"/>
-            <a:ext cx="5211319" cy="4922655"/>
+            <a:off x="398969" y="1646238"/>
+            <a:ext cx="5336165" cy="5137334"/>
           </a:xfrm>
           <a:prstGeom prst="rect">
             <a:avLst/>
           </a:prstGeom>
         </p:spPr>
       </p:pic>
-      <p:sp>
-        <p:nvSpPr>
-          <p:cNvPr id="7" name="文字方塊 6">
-            <a:extLst>
-              <a:ext uri="{FF2B5EF4-FFF2-40B4-BE49-F238E27FC236}">
-                <a16:creationId xmlns:a16="http://schemas.microsoft.com/office/drawing/2014/main" id="{65921495-DF94-4289-A871-3B00F8F111E7}"/>
-              </a:ext>
-            </a:extLst>
-          </p:cNvPr>
-          <p:cNvSpPr txBox="1"/>
+      <p:pic>
+        <p:nvPicPr>
+          <p:cNvPr id="6" name="圖片 5">
+            <a:extLst>
+              <a:ext uri="{FF2B5EF4-FFF2-40B4-BE49-F238E27FC236}">
+                <a16:creationId xmlns:a16="http://schemas.microsoft.com/office/drawing/2014/main" id="{030B20B9-4580-4CC6-87C5-94624C08A298}"/>
+              </a:ext>
+            </a:extLst>
+          </p:cNvPr>
+          <p:cNvPicPr>
+            <a:picLocks noChangeAspect="1"/>
+          </p:cNvPicPr>
           <p:nvPr/>
-        </p:nvSpPr>
-        <p:spPr>
-          <a:xfrm>
-            <a:off x="265186" y="183345"/>
-            <a:ext cx="5173134" cy="461665"/>
+        </p:nvPicPr>
+        <p:blipFill rotWithShape="1">
+          <a:blip r:embed="rId4">
+            <a:extLst>
+              <a:ext uri="{28A0092B-C50C-407E-A947-70E740481C1C}">
+                <a14:useLocalDpi xmlns:a14="http://schemas.microsoft.com/office/drawing/2010/main" val="0"/>
+              </a:ext>
+            </a:extLst>
+          </a:blip>
+          <a:srcRect r="15482"/>
+          <a:stretch/>
+        </p:blipFill>
+        <p:spPr>
+          <a:xfrm>
+            <a:off x="5879640" y="1330271"/>
+            <a:ext cx="6182624" cy="5486411"/>
           </a:xfrm>
           <a:prstGeom prst="rect">
             <a:avLst/>
           </a:prstGeom>
-          <a:noFill/>
-        </p:spPr>
-        <p:txBody>
-          <a:bodyPr wrap="square" rtlCol="0">
-            <a:spAutoFit/>
-          </a:bodyPr>
-          <a:lstStyle/>
-          <a:p>
-            <a:r>
-              <a:rPr lang="en-US" sz="2400" dirty="0"/>
-              <a:t>Environmental data</a:t>
-            </a:r>
-          </a:p>
-        </p:txBody>
-      </p:sp>
-      <p:sp>
-        <p:nvSpPr>
-          <p:cNvPr id="8" name="文字方塊 7">
-            <a:extLst>
-              <a:ext uri="{FF2B5EF4-FFF2-40B4-BE49-F238E27FC236}">
-                <a16:creationId xmlns:a16="http://schemas.microsoft.com/office/drawing/2014/main" id="{4737E370-1481-4428-B036-524431CB043E}"/>
-              </a:ext>
-            </a:extLst>
-          </p:cNvPr>
-          <p:cNvSpPr txBox="1"/>
-          <p:nvPr/>
-        </p:nvSpPr>
-        <p:spPr>
-          <a:xfrm>
-            <a:off x="404164" y="1002152"/>
-            <a:ext cx="6816146" cy="1477328"/>
-          </a:xfrm>
-          <a:prstGeom prst="rect">
-            <a:avLst/>
-          </a:prstGeom>
-          <a:noFill/>
-        </p:spPr>
-        <p:txBody>
-          <a:bodyPr wrap="square" rtlCol="0">
-            <a:spAutoFit/>
-          </a:bodyPr>
-          <a:lstStyle/>
-          <a:p>
-            <a:pPr marL="285750" indent="-285750">
-              <a:buFont typeface="Arial" panose="020B0604020202020204" pitchFamily="34" charset="0"/>
-              <a:buChar char="•"/>
-            </a:pPr>
-            <a:r>
-              <a:rPr lang="en-US" dirty="0"/>
-              <a:t>Depth and DRM were not included for this PCA and later analyses</a:t>
-            </a:r>
-          </a:p>
-          <a:p>
-            <a:pPr marL="285750" indent="-285750">
-              <a:buFont typeface="Arial" panose="020B0604020202020204" pitchFamily="34" charset="0"/>
-              <a:buChar char="•"/>
-            </a:pPr>
-            <a:r>
-              <a:rPr lang="en-US" dirty="0"/>
-              <a:t>Variables with |r| &gt; 0.7 and/or ecologically irrelevant were omitted</a:t>
-            </a:r>
-          </a:p>
-          <a:p>
-            <a:pPr marL="742950" lvl="1" indent="-285750">
-              <a:buFont typeface="Arial" panose="020B0604020202020204" pitchFamily="34" charset="0"/>
-              <a:buChar char="•"/>
-            </a:pPr>
-            <a:r>
-              <a:rPr lang="en-US" dirty="0"/>
-              <a:t>Sal, Trans, Dens, Temp are highly correlated </a:t>
-            </a:r>
-            <a:r>
-              <a:rPr lang="en-US" dirty="0">
-                <a:sym typeface="Wingdings" panose="05000000000000000000" pitchFamily="2" charset="2"/>
-              </a:rPr>
-              <a:t> choosing Temp</a:t>
-            </a:r>
-            <a:endParaRPr lang="en-US" dirty="0"/>
-          </a:p>
-          <a:p>
-            <a:pPr marL="742950" lvl="1" indent="-285750">
-              <a:buFont typeface="Arial" panose="020B0604020202020204" pitchFamily="34" charset="0"/>
-              <a:buChar char="•"/>
-            </a:pPr>
-            <a:r>
-              <a:rPr lang="en-US" dirty="0"/>
-              <a:t>Delta 13 C and </a:t>
-            </a:r>
-            <a:r>
-              <a:rPr lang="en-US" dirty="0" err="1"/>
-              <a:t>Chla</a:t>
-            </a:r>
-            <a:r>
-              <a:rPr lang="en-US" dirty="0"/>
-              <a:t> negatively correlated </a:t>
-            </a:r>
-            <a:r>
-              <a:rPr lang="en-US" dirty="0">
-                <a:sym typeface="Wingdings" panose="05000000000000000000" pitchFamily="2" charset="2"/>
-              </a:rPr>
-              <a:t> choosing </a:t>
-            </a:r>
-            <a:r>
-              <a:rPr lang="en-US" dirty="0" err="1">
-                <a:sym typeface="Wingdings" panose="05000000000000000000" pitchFamily="2" charset="2"/>
-              </a:rPr>
-              <a:t>Chla</a:t>
-            </a:r>
-            <a:endParaRPr lang="en-US" dirty="0">
-              <a:sym typeface="Wingdings" panose="05000000000000000000" pitchFamily="2" charset="2"/>
-            </a:endParaRPr>
-          </a:p>
-          <a:p>
-            <a:pPr marL="742950" lvl="1" indent="-285750">
-              <a:buFont typeface="Arial" panose="020B0604020202020204" pitchFamily="34" charset="0"/>
-              <a:buChar char="•"/>
-            </a:pPr>
-            <a:r>
-              <a:rPr lang="en-US" dirty="0">
-                <a:sym typeface="Wingdings" panose="05000000000000000000" pitchFamily="2" charset="2"/>
-              </a:rPr>
-              <a:t>TN correlated with Porosity  choosing Por</a:t>
-            </a:r>
-            <a:endParaRPr lang="en-US" dirty="0"/>
-          </a:p>
-        </p:txBody>
-      </p:sp>
+        </p:spPr>
+      </p:pic>
       <p:pic>
         <p:nvPicPr>
-          <p:cNvPr id="10" name="圖片 9">
-            <a:extLst>
-              <a:ext uri="{FF2B5EF4-FFF2-40B4-BE49-F238E27FC236}">
-                <a16:creationId xmlns:a16="http://schemas.microsoft.com/office/drawing/2014/main" id="{F1ED307E-3F67-469E-B8C1-41491B176802}"/>
+          <p:cNvPr id="12" name="圖片 11">
+            <a:extLst>
+              <a:ext uri="{FF2B5EF4-FFF2-40B4-BE49-F238E27FC236}">
+                <a16:creationId xmlns:a16="http://schemas.microsoft.com/office/drawing/2014/main" id="{9F9E7F5D-D311-4BA7-BD8E-1D960393A5C4}"/>
               </a:ext>
             </a:extLst>
           </p:cNvPr>
@@ -4449,21 +4749,90 @@
           <p:nvPr/>
         </p:nvPicPr>
         <p:blipFill>
-          <a:blip r:embed="rId3">
-            <a:extLst>
-              <a:ext uri="{28A0092B-C50C-407E-A947-70E740481C1C}">
-                <a14:useLocalDpi xmlns:a14="http://schemas.microsoft.com/office/drawing/2010/main" val="0"/>
-              </a:ext>
-            </a:extLst>
-          </a:blip>
+          <a:blip r:embed="rId5"/>
           <a:stretch>
             <a:fillRect/>
           </a:stretch>
         </p:blipFill>
         <p:spPr>
           <a:xfrm>
-            <a:off x="113501" y="2570672"/>
-            <a:ext cx="6753680" cy="4000466"/>
+            <a:off x="119130" y="1028444"/>
+            <a:ext cx="3067051" cy="1733550"/>
+          </a:xfrm>
+          <a:prstGeom prst="rect">
+            <a:avLst/>
+          </a:prstGeom>
+          <a:ln>
+            <a:solidFill>
+              <a:schemeClr val="tx1"/>
+            </a:solidFill>
+          </a:ln>
+        </p:spPr>
+      </p:pic>
+      <p:pic>
+        <p:nvPicPr>
+          <p:cNvPr id="17" name="圖片 16">
+            <a:extLst>
+              <a:ext uri="{FF2B5EF4-FFF2-40B4-BE49-F238E27FC236}">
+                <a16:creationId xmlns:a16="http://schemas.microsoft.com/office/drawing/2014/main" id="{08D5DD80-2C26-4D77-9840-98D9C78B0F05}"/>
+              </a:ext>
+            </a:extLst>
+          </p:cNvPr>
+          <p:cNvPicPr>
+            <a:picLocks noChangeAspect="1"/>
+          </p:cNvPicPr>
+          <p:nvPr/>
+        </p:nvPicPr>
+        <p:blipFill>
+          <a:blip r:embed="rId6"/>
+          <a:stretch>
+            <a:fillRect/>
+          </a:stretch>
+        </p:blipFill>
+        <p:spPr>
+          <a:xfrm>
+            <a:off x="5879640" y="1081809"/>
+            <a:ext cx="3057525" cy="1733550"/>
+          </a:xfrm>
+          <a:prstGeom prst="rect">
+            <a:avLst/>
+          </a:prstGeom>
+          <a:ln>
+            <a:solidFill>
+              <a:schemeClr val="tx1"/>
+            </a:solidFill>
+          </a:ln>
+        </p:spPr>
+      </p:pic>
+      <p:pic>
+        <p:nvPicPr>
+          <p:cNvPr id="18" name="圖片 17">
+            <a:extLst>
+              <a:ext uri="{FF2B5EF4-FFF2-40B4-BE49-F238E27FC236}">
+                <a16:creationId xmlns:a16="http://schemas.microsoft.com/office/drawing/2014/main" id="{BFB0DABF-744A-4CE3-85CD-2B8085FB8B72}"/>
+              </a:ext>
+            </a:extLst>
+          </p:cNvPr>
+          <p:cNvPicPr>
+            <a:picLocks noChangeAspect="1"/>
+          </p:cNvPicPr>
+          <p:nvPr/>
+        </p:nvPicPr>
+        <p:blipFill rotWithShape="1">
+          <a:blip r:embed="rId4">
+            <a:extLst>
+              <a:ext uri="{28A0092B-C50C-407E-A947-70E740481C1C}">
+                <a14:useLocalDpi xmlns:a14="http://schemas.microsoft.com/office/drawing/2010/main" val="0"/>
+              </a:ext>
+            </a:extLst>
+          </a:blip>
+          <a:srcRect l="85301" t="39148" r="-310" b="44880"/>
+          <a:stretch/>
+        </p:blipFill>
+        <p:spPr>
+          <a:xfrm>
+            <a:off x="10424238" y="236271"/>
+            <a:ext cx="1384989" cy="1105412"/>
           </a:xfrm>
           <a:prstGeom prst="rect">
             <a:avLst/>
@@ -4473,7 +4842,7 @@
     </p:spTree>
     <p:extLst>
       <p:ext uri="{BB962C8B-B14F-4D97-AF65-F5344CB8AC3E}">
-        <p14:creationId xmlns:p14="http://schemas.microsoft.com/office/powerpoint/2010/main" val="3937871566"/>
+        <p14:creationId xmlns:p14="http://schemas.microsoft.com/office/powerpoint/2010/main" val="3830496687"/>
       </p:ext>
     </p:extLst>
   </p:cSld>
@@ -4500,12 +4869,125 @@
           <a:chExt cx="0" cy="0"/>
         </a:xfrm>
       </p:grpSpPr>
+      <p:sp>
+        <p:nvSpPr>
+          <p:cNvPr id="10" name="文字方塊 9">
+            <a:extLst>
+              <a:ext uri="{FF2B5EF4-FFF2-40B4-BE49-F238E27FC236}">
+                <a16:creationId xmlns:a16="http://schemas.microsoft.com/office/drawing/2014/main" id="{75F1DD21-ECAB-499D-B249-A4054DF0393D}"/>
+              </a:ext>
+            </a:extLst>
+          </p:cNvPr>
+          <p:cNvSpPr txBox="1"/>
+          <p:nvPr/>
+        </p:nvSpPr>
+        <p:spPr>
+          <a:xfrm>
+            <a:off x="198966" y="84430"/>
+            <a:ext cx="5503333" cy="461665"/>
+          </a:xfrm>
+          <a:prstGeom prst="rect">
+            <a:avLst/>
+          </a:prstGeom>
+          <a:noFill/>
+        </p:spPr>
+        <p:txBody>
+          <a:bodyPr wrap="square" rtlCol="0">
+            <a:spAutoFit/>
+          </a:bodyPr>
+          <a:lstStyle/>
+          <a:p>
+            <a:r>
+              <a:rPr lang="en-US" sz="2400" dirty="0"/>
+              <a:t>RDA </a:t>
+            </a:r>
+            <a:r>
+              <a:rPr lang="en-US" sz="2400" dirty="0" err="1"/>
+              <a:t>triplot</a:t>
+            </a:r>
+            <a:r>
+              <a:rPr lang="en-US" sz="2400" dirty="0"/>
+              <a:t>, scaling 1</a:t>
+            </a:r>
+          </a:p>
+        </p:txBody>
+      </p:sp>
+      <p:sp>
+        <p:nvSpPr>
+          <p:cNvPr id="11" name="文字方塊 10">
+            <a:extLst>
+              <a:ext uri="{FF2B5EF4-FFF2-40B4-BE49-F238E27FC236}">
+                <a16:creationId xmlns:a16="http://schemas.microsoft.com/office/drawing/2014/main" id="{A71168A1-F2EC-46B3-8D61-A77D4D96361E}"/>
+              </a:ext>
+            </a:extLst>
+          </p:cNvPr>
+          <p:cNvSpPr txBox="1"/>
+          <p:nvPr/>
+        </p:nvSpPr>
+        <p:spPr>
+          <a:xfrm>
+            <a:off x="6450481" y="241279"/>
+            <a:ext cx="3150718" cy="369332"/>
+          </a:xfrm>
+          <a:prstGeom prst="rect">
+            <a:avLst/>
+          </a:prstGeom>
+          <a:noFill/>
+        </p:spPr>
+        <p:txBody>
+          <a:bodyPr wrap="square" rtlCol="0">
+            <a:spAutoFit/>
+          </a:bodyPr>
+          <a:lstStyle/>
+          <a:p>
+            <a:r>
+              <a:rPr lang="en-US" dirty="0"/>
+              <a:t>Biomass, exponent = 0.1</a:t>
+            </a:r>
+          </a:p>
+        </p:txBody>
+      </p:sp>
+      <p:sp>
+        <p:nvSpPr>
+          <p:cNvPr id="12" name="文字方塊 11">
+            <a:extLst>
+              <a:ext uri="{FF2B5EF4-FFF2-40B4-BE49-F238E27FC236}">
+                <a16:creationId xmlns:a16="http://schemas.microsoft.com/office/drawing/2014/main" id="{D4B3D1F6-1D6E-4E00-A41A-74260A16B142}"/>
+              </a:ext>
+            </a:extLst>
+          </p:cNvPr>
+          <p:cNvSpPr txBox="1"/>
+          <p:nvPr/>
+        </p:nvSpPr>
+        <p:spPr>
+          <a:xfrm>
+            <a:off x="198966" y="436612"/>
+            <a:ext cx="2440636" cy="369332"/>
+          </a:xfrm>
+          <a:prstGeom prst="rect">
+            <a:avLst/>
+          </a:prstGeom>
+          <a:noFill/>
+        </p:spPr>
+        <p:txBody>
+          <a:bodyPr wrap="square" rtlCol="0">
+            <a:spAutoFit/>
+          </a:bodyPr>
+          <a:lstStyle/>
+          <a:p>
+            <a:r>
+              <a:rPr lang="en-US" dirty="0"/>
+              <a:t>Count, exponent = 0.3</a:t>
+            </a:r>
+          </a:p>
+        </p:txBody>
+      </p:sp>
       <p:pic>
         <p:nvPicPr>
-          <p:cNvPr id="7" name="圖片 6">
-            <a:extLst>
-              <a:ext uri="{FF2B5EF4-FFF2-40B4-BE49-F238E27FC236}">
-                <a16:creationId xmlns:a16="http://schemas.microsoft.com/office/drawing/2014/main" id="{E1E35001-EBFF-4EE0-B388-F328C14B5C19}"/>
+          <p:cNvPr id="4" name="圖片 3">
+            <a:extLst>
+              <a:ext uri="{FF2B5EF4-FFF2-40B4-BE49-F238E27FC236}">
+                <a16:creationId xmlns:a16="http://schemas.microsoft.com/office/drawing/2014/main" id="{928B6F34-24ED-4D93-8B04-C111F48B1A8B}"/>
               </a:ext>
             </a:extLst>
           </p:cNvPr>
@@ -4522,13 +5004,13 @@
               </a:ext>
             </a:extLst>
           </a:blip>
-          <a:srcRect r="14304"/>
+          <a:srcRect l="-1" r="18948"/>
           <a:stretch/>
         </p:blipFill>
         <p:spPr>
           <a:xfrm>
-            <a:off x="5579533" y="1037992"/>
-            <a:ext cx="6121400" cy="5357381"/>
+            <a:off x="5943591" y="962793"/>
+            <a:ext cx="5943609" cy="5486411"/>
           </a:xfrm>
           <a:prstGeom prst="rect">
             <a:avLst/>
@@ -4540,7 +5022,7 @@
           <p:cNvPr id="9" name="圖片 8">
             <a:extLst>
               <a:ext uri="{FF2B5EF4-FFF2-40B4-BE49-F238E27FC236}">
-                <a16:creationId xmlns:a16="http://schemas.microsoft.com/office/drawing/2014/main" id="{26EEEC8C-D176-44DC-88D9-BF7F24D04405}"/>
+                <a16:creationId xmlns:a16="http://schemas.microsoft.com/office/drawing/2014/main" id="{8E19A1F5-6283-47AE-B44D-6C2EDAACAE4F}"/>
               </a:ext>
             </a:extLst>
           </p:cNvPr>
@@ -4557,95 +5039,25 @@
               </a:ext>
             </a:extLst>
           </a:blip>
-          <a:srcRect l="6147" r="22736"/>
+          <a:srcRect r="14123"/>
           <a:stretch/>
         </p:blipFill>
         <p:spPr>
           <a:xfrm>
-            <a:off x="287866" y="1037992"/>
-            <a:ext cx="5080000" cy="5357382"/>
+            <a:off x="0" y="962793"/>
+            <a:ext cx="6282047" cy="5486411"/>
           </a:xfrm>
           <a:prstGeom prst="rect">
             <a:avLst/>
           </a:prstGeom>
         </p:spPr>
       </p:pic>
-      <p:sp>
-        <p:nvSpPr>
-          <p:cNvPr id="10" name="文字方塊 9">
-            <a:extLst>
-              <a:ext uri="{FF2B5EF4-FFF2-40B4-BE49-F238E27FC236}">
-                <a16:creationId xmlns:a16="http://schemas.microsoft.com/office/drawing/2014/main" id="{B64EDA53-49AF-4898-8F69-44070E3217E1}"/>
-              </a:ext>
-            </a:extLst>
-          </p:cNvPr>
-          <p:cNvSpPr txBox="1"/>
-          <p:nvPr/>
-        </p:nvSpPr>
-        <p:spPr>
-          <a:xfrm>
-            <a:off x="6053666" y="768660"/>
-            <a:ext cx="3150718" cy="369332"/>
-          </a:xfrm>
-          <a:prstGeom prst="rect">
-            <a:avLst/>
-          </a:prstGeom>
-          <a:noFill/>
-        </p:spPr>
-        <p:txBody>
-          <a:bodyPr wrap="square" rtlCol="0">
-            <a:spAutoFit/>
-          </a:bodyPr>
-          <a:lstStyle/>
-          <a:p>
-            <a:r>
-              <a:rPr lang="en-US" dirty="0"/>
-              <a:t>Biomass, exponent = 0.1</a:t>
-            </a:r>
-          </a:p>
-        </p:txBody>
-      </p:sp>
-      <p:sp>
-        <p:nvSpPr>
-          <p:cNvPr id="11" name="文字方塊 10">
-            <a:extLst>
-              <a:ext uri="{FF2B5EF4-FFF2-40B4-BE49-F238E27FC236}">
-                <a16:creationId xmlns:a16="http://schemas.microsoft.com/office/drawing/2014/main" id="{4CDC0EFA-3DEC-4203-AF64-9C5DFA684FF3}"/>
-              </a:ext>
-            </a:extLst>
-          </p:cNvPr>
-          <p:cNvSpPr txBox="1"/>
-          <p:nvPr/>
-        </p:nvSpPr>
-        <p:spPr>
-          <a:xfrm>
-            <a:off x="880533" y="768660"/>
-            <a:ext cx="2440636" cy="369332"/>
-          </a:xfrm>
-          <a:prstGeom prst="rect">
-            <a:avLst/>
-          </a:prstGeom>
-          <a:noFill/>
-        </p:spPr>
-        <p:txBody>
-          <a:bodyPr wrap="square" rtlCol="0">
-            <a:spAutoFit/>
-          </a:bodyPr>
-          <a:lstStyle/>
-          <a:p>
-            <a:r>
-              <a:rPr lang="en-US" dirty="0"/>
-              <a:t>Count, exponent = 0.3</a:t>
-            </a:r>
-          </a:p>
-        </p:txBody>
-      </p:sp>
       <p:pic>
         <p:nvPicPr>
-          <p:cNvPr id="12" name="圖片 11">
-            <a:extLst>
-              <a:ext uri="{FF2B5EF4-FFF2-40B4-BE49-F238E27FC236}">
-                <a16:creationId xmlns:a16="http://schemas.microsoft.com/office/drawing/2014/main" id="{9DF35D77-83F8-4933-900A-AC9FCD679383}"/>
+          <p:cNvPr id="7" name="圖片 6">
+            <a:extLst>
+              <a:ext uri="{FF2B5EF4-FFF2-40B4-BE49-F238E27FC236}">
+                <a16:creationId xmlns:a16="http://schemas.microsoft.com/office/drawing/2014/main" id="{CF52EA5E-AD6E-4141-B3FF-556272B3D37A}"/>
               </a:ext>
             </a:extLst>
           </p:cNvPr>
@@ -4655,142 +5067,30 @@
           <p:nvPr/>
         </p:nvPicPr>
         <p:blipFill rotWithShape="1">
-          <a:blip r:embed="rId3">
+          <a:blip r:embed="rId5">
             <a:extLst>
               <a:ext uri="{28A0092B-C50C-407E-A947-70E740481C1C}">
                 <a14:useLocalDpi xmlns:a14="http://schemas.microsoft.com/office/drawing/2010/main" val="0"/>
               </a:ext>
             </a:extLst>
           </a:blip>
-          <a:srcRect l="86052" t="40110" r="81" b="46299"/>
+          <a:srcRect l="85301" t="39148" r="-310" b="44880"/>
           <a:stretch/>
         </p:blipFill>
         <p:spPr>
           <a:xfrm>
-            <a:off x="10320865" y="1459301"/>
-            <a:ext cx="990600" cy="728133"/>
+            <a:off x="10795713" y="171334"/>
+            <a:ext cx="939087" cy="749521"/>
           </a:xfrm>
           <a:prstGeom prst="rect">
             <a:avLst/>
           </a:prstGeom>
         </p:spPr>
       </p:pic>
-      <p:sp>
-        <p:nvSpPr>
-          <p:cNvPr id="13" name="文字方塊 12">
-            <a:extLst>
-              <a:ext uri="{FF2B5EF4-FFF2-40B4-BE49-F238E27FC236}">
-                <a16:creationId xmlns:a16="http://schemas.microsoft.com/office/drawing/2014/main" id="{DB86A2AA-6309-4D97-86F3-330D851B5B82}"/>
-              </a:ext>
-            </a:extLst>
-          </p:cNvPr>
-          <p:cNvSpPr txBox="1"/>
-          <p:nvPr/>
-        </p:nvSpPr>
-        <p:spPr>
-          <a:xfrm>
-            <a:off x="287866" y="41318"/>
-            <a:ext cx="10828867" cy="738664"/>
-          </a:xfrm>
-          <a:prstGeom prst="rect">
-            <a:avLst/>
-          </a:prstGeom>
-          <a:noFill/>
-        </p:spPr>
-        <p:txBody>
-          <a:bodyPr wrap="square" rtlCol="0">
-            <a:spAutoFit/>
-          </a:bodyPr>
-          <a:lstStyle/>
-          <a:p>
-            <a:r>
-              <a:rPr lang="en-US" sz="2400" dirty="0"/>
-              <a:t>Box-Cox-chord transformed assemblage PCA, scaling 1</a:t>
-            </a:r>
-            <a:br>
-              <a:rPr lang="en-US" sz="2400" dirty="0"/>
-            </a:br>
-            <a:r>
-              <a:rPr lang="en-US" dirty="0"/>
-              <a:t>only taxa with &gt;40% variance explained by the first two axes were shown</a:t>
-            </a:r>
-          </a:p>
-        </p:txBody>
-      </p:sp>
-      <p:sp>
-        <p:nvSpPr>
-          <p:cNvPr id="14" name="文字方塊 13">
-            <a:extLst>
-              <a:ext uri="{FF2B5EF4-FFF2-40B4-BE49-F238E27FC236}">
-                <a16:creationId xmlns:a16="http://schemas.microsoft.com/office/drawing/2014/main" id="{17CDE3D3-0E47-4591-A52E-E5A9DD623D8A}"/>
-              </a:ext>
-            </a:extLst>
-          </p:cNvPr>
-          <p:cNvSpPr txBox="1"/>
-          <p:nvPr/>
-        </p:nvSpPr>
-        <p:spPr>
-          <a:xfrm>
-            <a:off x="741872" y="6361594"/>
-            <a:ext cx="4295954" cy="523220"/>
-          </a:xfrm>
-          <a:prstGeom prst="rect">
-            <a:avLst/>
-          </a:prstGeom>
-          <a:noFill/>
-        </p:spPr>
-        <p:txBody>
-          <a:bodyPr wrap="square" rtlCol="0">
-            <a:spAutoFit/>
-          </a:bodyPr>
-          <a:lstStyle/>
-          <a:p>
-            <a:r>
-              <a:rPr lang="en-US" sz="1400" dirty="0"/>
-              <a:t>*Variation of peracarid abundance were largely captured within the first two PCs</a:t>
-            </a:r>
-          </a:p>
-        </p:txBody>
-      </p:sp>
-      <p:sp>
-        <p:nvSpPr>
-          <p:cNvPr id="15" name="文字方塊 14">
-            <a:extLst>
-              <a:ext uri="{FF2B5EF4-FFF2-40B4-BE49-F238E27FC236}">
-                <a16:creationId xmlns:a16="http://schemas.microsoft.com/office/drawing/2014/main" id="{40027E16-6871-4F4C-9030-FEB667EC386A}"/>
-              </a:ext>
-            </a:extLst>
-          </p:cNvPr>
-          <p:cNvSpPr txBox="1"/>
-          <p:nvPr/>
-        </p:nvSpPr>
-        <p:spPr>
-          <a:xfrm>
-            <a:off x="6096000" y="6293462"/>
-            <a:ext cx="5670430" cy="523220"/>
-          </a:xfrm>
-          <a:prstGeom prst="rect">
-            <a:avLst/>
-          </a:prstGeom>
-          <a:noFill/>
-        </p:spPr>
-        <p:txBody>
-          <a:bodyPr wrap="square" rtlCol="0">
-            <a:spAutoFit/>
-          </a:bodyPr>
-          <a:lstStyle/>
-          <a:p>
-            <a:r>
-              <a:rPr lang="en-US" sz="1400" dirty="0"/>
-              <a:t>*Biomass composition mainly reflects the presence of large taxa; noticeable groupings were present (if these are non-stochastic)</a:t>
-            </a:r>
-          </a:p>
-        </p:txBody>
-      </p:sp>
     </p:spTree>
     <p:extLst>
       <p:ext uri="{BB962C8B-B14F-4D97-AF65-F5344CB8AC3E}">
-        <p14:creationId xmlns:p14="http://schemas.microsoft.com/office/powerpoint/2010/main" val="3830496687"/>
+        <p14:creationId xmlns:p14="http://schemas.microsoft.com/office/powerpoint/2010/main" val="2551691161"/>
       </p:ext>
     </p:extLst>
   </p:cSld>
@@ -4817,12 +5117,83 @@
           <a:chExt cx="0" cy="0"/>
         </a:xfrm>
       </p:grpSpPr>
+      <p:sp>
+        <p:nvSpPr>
+          <p:cNvPr id="8" name="文字方塊 7">
+            <a:extLst>
+              <a:ext uri="{FF2B5EF4-FFF2-40B4-BE49-F238E27FC236}">
+                <a16:creationId xmlns:a16="http://schemas.microsoft.com/office/drawing/2014/main" id="{46732A27-1870-4510-B44D-9D8C5680369D}"/>
+              </a:ext>
+            </a:extLst>
+          </p:cNvPr>
+          <p:cNvSpPr txBox="1"/>
+          <p:nvPr/>
+        </p:nvSpPr>
+        <p:spPr>
+          <a:xfrm>
+            <a:off x="198966" y="84430"/>
+            <a:ext cx="11821584" cy="461665"/>
+          </a:xfrm>
+          <a:prstGeom prst="rect">
+            <a:avLst/>
+          </a:prstGeom>
+          <a:noFill/>
+        </p:spPr>
+        <p:txBody>
+          <a:bodyPr wrap="square" rtlCol="0">
+            <a:spAutoFit/>
+          </a:bodyPr>
+          <a:lstStyle/>
+          <a:p>
+            <a:r>
+              <a:rPr lang="en-US" sz="2400" dirty="0"/>
+              <a:t>Abundance, biomass, and SCOC variation showed spatiotemporal variations</a:t>
+            </a:r>
+          </a:p>
+        </p:txBody>
+      </p:sp>
       <p:pic>
         <p:nvPicPr>
           <p:cNvPr id="3" name="圖片 2">
             <a:extLst>
               <a:ext uri="{FF2B5EF4-FFF2-40B4-BE49-F238E27FC236}">
-                <a16:creationId xmlns:a16="http://schemas.microsoft.com/office/drawing/2014/main" id="{186104DB-189F-46DD-80B8-624562E98E76}"/>
+                <a16:creationId xmlns:a16="http://schemas.microsoft.com/office/drawing/2014/main" id="{F011ACE5-7E5E-4793-AA2A-B570B235C093}"/>
+              </a:ext>
+            </a:extLst>
+          </p:cNvPr>
+          <p:cNvPicPr>
+            <a:picLocks noChangeAspect="1"/>
+          </p:cNvPicPr>
+          <p:nvPr/>
+        </p:nvPicPr>
+        <p:blipFill>
+          <a:blip r:embed="rId2">
+            <a:extLst>
+              <a:ext uri="{28A0092B-C50C-407E-A947-70E740481C1C}">
+                <a14:useLocalDpi xmlns:a14="http://schemas.microsoft.com/office/drawing/2010/main" val="0"/>
+              </a:ext>
+            </a:extLst>
+          </a:blip>
+          <a:stretch>
+            <a:fillRect/>
+          </a:stretch>
+        </p:blipFill>
+        <p:spPr>
+          <a:xfrm>
+            <a:off x="0" y="1469793"/>
+            <a:ext cx="6632465" cy="4974349"/>
+          </a:xfrm>
+          <a:prstGeom prst="rect">
+            <a:avLst/>
+          </a:prstGeom>
+        </p:spPr>
+      </p:pic>
+      <p:pic>
+        <p:nvPicPr>
+          <p:cNvPr id="5" name="圖片 4">
+            <a:extLst>
+              <a:ext uri="{FF2B5EF4-FFF2-40B4-BE49-F238E27FC236}">
+                <a16:creationId xmlns:a16="http://schemas.microsoft.com/office/drawing/2014/main" id="{3080AA95-E241-40AB-AF3C-65ACF7688365}"/>
               </a:ext>
             </a:extLst>
           </p:cNvPr>
@@ -4845,8 +5216,8 @@
         </p:blipFill>
         <p:spPr>
           <a:xfrm>
-            <a:off x="31865" y="696461"/>
-            <a:ext cx="7315215" cy="5486411"/>
+            <a:off x="5559535" y="1469793"/>
+            <a:ext cx="6632465" cy="4974349"/>
           </a:xfrm>
           <a:prstGeom prst="rect">
             <a:avLst/>
@@ -4855,10 +5226,10 @@
       </p:pic>
       <p:sp>
         <p:nvSpPr>
-          <p:cNvPr id="10" name="文字方塊 9">
-            <a:extLst>
-              <a:ext uri="{FF2B5EF4-FFF2-40B4-BE49-F238E27FC236}">
-                <a16:creationId xmlns:a16="http://schemas.microsoft.com/office/drawing/2014/main" id="{75F1DD21-ECAB-499D-B249-A4054DF0393D}"/>
+          <p:cNvPr id="9" name="文字方塊 8">
+            <a:extLst>
+              <a:ext uri="{FF2B5EF4-FFF2-40B4-BE49-F238E27FC236}">
+                <a16:creationId xmlns:a16="http://schemas.microsoft.com/office/drawing/2014/main" id="{47788FA6-55E4-48D5-AFC8-063E7ECA07B3}"/>
               </a:ext>
             </a:extLst>
           </p:cNvPr>
@@ -4867,8 +5238,8 @@
         </p:nvSpPr>
         <p:spPr>
           <a:xfrm>
-            <a:off x="198966" y="84430"/>
-            <a:ext cx="5503333" cy="461665"/>
+            <a:off x="198966" y="563029"/>
+            <a:ext cx="9051965" cy="923330"/>
           </a:xfrm>
           <a:prstGeom prst="rect">
             <a:avLst/>
@@ -4881,130 +5252,45 @@
           </a:bodyPr>
           <a:lstStyle/>
           <a:p>
-            <a:r>
-              <a:rPr lang="en-US" sz="2400" dirty="0"/>
-              <a:t>RDA </a:t>
-            </a:r>
-            <a:r>
-              <a:rPr lang="en-US" sz="2400" dirty="0" err="1"/>
-              <a:t>triplot</a:t>
-            </a:r>
-            <a:r>
-              <a:rPr lang="en-US" sz="2400" dirty="0"/>
-              <a:t>, scaling 1</a:t>
-            </a:r>
-          </a:p>
-        </p:txBody>
-      </p:sp>
-      <p:sp>
-        <p:nvSpPr>
-          <p:cNvPr id="11" name="文字方塊 10">
-            <a:extLst>
-              <a:ext uri="{FF2B5EF4-FFF2-40B4-BE49-F238E27FC236}">
-                <a16:creationId xmlns:a16="http://schemas.microsoft.com/office/drawing/2014/main" id="{A71168A1-F2EC-46B3-8D61-A77D4D96361E}"/>
-              </a:ext>
-            </a:extLst>
-          </p:cNvPr>
-          <p:cNvSpPr txBox="1"/>
-          <p:nvPr/>
-        </p:nvSpPr>
-        <p:spPr>
-          <a:xfrm>
-            <a:off x="6450481" y="241279"/>
-            <a:ext cx="3150718" cy="369332"/>
-          </a:xfrm>
-          <a:prstGeom prst="rect">
-            <a:avLst/>
-          </a:prstGeom>
-          <a:noFill/>
-        </p:spPr>
-        <p:txBody>
-          <a:bodyPr wrap="square" rtlCol="0">
-            <a:spAutoFit/>
-          </a:bodyPr>
-          <a:lstStyle/>
-          <a:p>
+            <a:pPr marL="285750" indent="-285750">
+              <a:buFont typeface="Arial" panose="020B0604020202020204" pitchFamily="34" charset="0"/>
+              <a:buChar char="•"/>
+            </a:pPr>
+            <a:r>
+              <a:rPr lang="en-US" dirty="0" err="1"/>
+              <a:t>Multimodel</a:t>
+            </a:r>
             <a:r>
               <a:rPr lang="en-US" dirty="0"/>
-              <a:t>Biomass, exponent = 0.1</a:t>
-            </a:r>
-          </a:p>
-        </p:txBody>
-      </p:sp>
-      <p:sp>
-        <p:nvSpPr>
-          <p:cNvPr id="12" name="文字方塊 11">
-            <a:extLst>
-              <a:ext uri="{FF2B5EF4-FFF2-40B4-BE49-F238E27FC236}">
-                <a16:creationId xmlns:a16="http://schemas.microsoft.com/office/drawing/2014/main" id="{D4B3D1F6-1D6E-4E00-A41A-74260A16B142}"/>
-              </a:ext>
-            </a:extLst>
-          </p:cNvPr>
-          <p:cNvSpPr txBox="1"/>
-          <p:nvPr/>
-        </p:nvSpPr>
-        <p:spPr>
-          <a:xfrm>
-            <a:off x="198966" y="436612"/>
-            <a:ext cx="2440636" cy="369332"/>
-          </a:xfrm>
-          <a:prstGeom prst="rect">
-            <a:avLst/>
-          </a:prstGeom>
-          <a:noFill/>
-        </p:spPr>
-        <p:txBody>
-          <a:bodyPr wrap="square" rtlCol="0">
-            <a:spAutoFit/>
-          </a:bodyPr>
-          <a:lstStyle/>
-          <a:p>
+              <a:t> framework were used for statistical inference</a:t>
+            </a:r>
+          </a:p>
+          <a:p>
+            <a:pPr marL="285750" indent="-285750">
+              <a:buFont typeface="Arial" panose="020B0604020202020204" pitchFamily="34" charset="0"/>
+              <a:buChar char="•"/>
+            </a:pPr>
             <a:r>
               <a:rPr lang="en-US" dirty="0"/>
-              <a:t>Count, exponent = 0.3</a:t>
-            </a:r>
-          </a:p>
-        </p:txBody>
-      </p:sp>
-      <p:pic>
-        <p:nvPicPr>
-          <p:cNvPr id="5" name="圖片 4">
-            <a:extLst>
-              <a:ext uri="{FF2B5EF4-FFF2-40B4-BE49-F238E27FC236}">
-                <a16:creationId xmlns:a16="http://schemas.microsoft.com/office/drawing/2014/main" id="{1DEB9A18-D863-4BB8-9F29-B42D0B7F3C62}"/>
-              </a:ext>
-            </a:extLst>
-          </p:cNvPr>
-          <p:cNvPicPr>
-            <a:picLocks noChangeAspect="1"/>
-          </p:cNvPicPr>
-          <p:nvPr/>
-        </p:nvPicPr>
-        <p:blipFill rotWithShape="1">
-          <a:blip r:embed="rId4">
-            <a:extLst>
-              <a:ext uri="{28A0092B-C50C-407E-A947-70E740481C1C}">
-                <a14:useLocalDpi xmlns:a14="http://schemas.microsoft.com/office/drawing/2010/main" val="0"/>
-              </a:ext>
-            </a:extLst>
-          </a:blip>
-          <a:srcRect l="8507" r="23611"/>
-          <a:stretch/>
-        </p:blipFill>
-        <p:spPr>
-          <a:xfrm>
-            <a:off x="6096001" y="675128"/>
-            <a:ext cx="4965700" cy="5486411"/>
-          </a:xfrm>
-          <a:prstGeom prst="rect">
-            <a:avLst/>
-          </a:prstGeom>
-        </p:spPr>
-      </p:pic>
+              <a:t>Nested models and models with delta &gt; 6 were removed to obtain a top model set.</a:t>
+            </a:r>
+          </a:p>
+          <a:p>
+            <a:pPr marL="285750" indent="-285750">
+              <a:buFont typeface="Arial" panose="020B0604020202020204" pitchFamily="34" charset="0"/>
+              <a:buChar char="•"/>
+            </a:pPr>
+            <a:r>
+              <a:rPr lang="en-US" dirty="0"/>
+              <a:t>Natural averaging for detecting ecological responses.</a:t>
+            </a:r>
+          </a:p>
+        </p:txBody>
+      </p:sp>
     </p:spTree>
     <p:extLst>
       <p:ext uri="{BB962C8B-B14F-4D97-AF65-F5344CB8AC3E}">
-        <p14:creationId xmlns:p14="http://schemas.microsoft.com/office/powerpoint/2010/main" val="2551691161"/>
+        <p14:creationId xmlns:p14="http://schemas.microsoft.com/office/powerpoint/2010/main" val="3335778089"/>
       </p:ext>
     </p:extLst>
   </p:cSld>
@@ -5031,12 +5317,47 @@
           <a:chExt cx="0" cy="0"/>
         </a:xfrm>
       </p:grpSpPr>
+      <p:sp>
+        <p:nvSpPr>
+          <p:cNvPr id="4" name="文字方塊 3">
+            <a:extLst>
+              <a:ext uri="{FF2B5EF4-FFF2-40B4-BE49-F238E27FC236}">
+                <a16:creationId xmlns:a16="http://schemas.microsoft.com/office/drawing/2014/main" id="{4244ADAF-C67F-4AEE-8324-A49603B3B1C0}"/>
+              </a:ext>
+            </a:extLst>
+          </p:cNvPr>
+          <p:cNvSpPr txBox="1"/>
+          <p:nvPr/>
+        </p:nvSpPr>
+        <p:spPr>
+          <a:xfrm>
+            <a:off x="0" y="104094"/>
+            <a:ext cx="8449735" cy="369332"/>
+          </a:xfrm>
+          <a:prstGeom prst="rect">
+            <a:avLst/>
+          </a:prstGeom>
+          <a:noFill/>
+        </p:spPr>
+        <p:txBody>
+          <a:bodyPr wrap="square" rtlCol="0">
+            <a:spAutoFit/>
+          </a:bodyPr>
+          <a:lstStyle/>
+          <a:p>
+            <a:r>
+              <a:rPr lang="en-US" dirty="0"/>
+              <a:t>Environmental drivers that shaped abundance, biomass, and SCOC </a:t>
+            </a:r>
+          </a:p>
+        </p:txBody>
+      </p:sp>
       <p:pic>
         <p:nvPicPr>
           <p:cNvPr id="6" name="圖片 5">
             <a:extLst>
               <a:ext uri="{FF2B5EF4-FFF2-40B4-BE49-F238E27FC236}">
-                <a16:creationId xmlns:a16="http://schemas.microsoft.com/office/drawing/2014/main" id="{78CCFA7A-2B3B-4465-9D19-A7489E6A021A}"/>
+                <a16:creationId xmlns:a16="http://schemas.microsoft.com/office/drawing/2014/main" id="{78ECD19C-B324-4CB6-8D75-186A251EBD1D}"/>
               </a:ext>
             </a:extLst>
           </p:cNvPr>
@@ -5046,33 +5367,177 @@
           <p:nvPr/>
         </p:nvPicPr>
         <p:blipFill>
-          <a:blip r:embed="rId2">
-            <a:extLst>
-              <a:ext uri="{28A0092B-C50C-407E-A947-70E740481C1C}">
-                <a14:useLocalDpi xmlns:a14="http://schemas.microsoft.com/office/drawing/2010/main" val="0"/>
-              </a:ext>
-            </a:extLst>
-          </a:blip>
+          <a:blip r:embed="rId2"/>
           <a:stretch>
             <a:fillRect/>
           </a:stretch>
         </p:blipFill>
         <p:spPr>
           <a:xfrm>
-            <a:off x="4991100" y="563589"/>
-            <a:ext cx="8262782" cy="6197086"/>
+            <a:off x="657224" y="5195926"/>
+            <a:ext cx="5086350" cy="1162050"/>
           </a:xfrm>
           <a:prstGeom prst="rect">
             <a:avLst/>
           </a:prstGeom>
         </p:spPr>
       </p:pic>
-      <p:sp>
-        <p:nvSpPr>
-          <p:cNvPr id="7" name="文字方塊 6">
-            <a:extLst>
-              <a:ext uri="{FF2B5EF4-FFF2-40B4-BE49-F238E27FC236}">
-                <a16:creationId xmlns:a16="http://schemas.microsoft.com/office/drawing/2014/main" id="{923F6865-EC1A-4C12-B223-46F3AEEEA3FC}"/>
+      <p:pic>
+        <p:nvPicPr>
+          <p:cNvPr id="7" name="圖片 6">
+            <a:extLst>
+              <a:ext uri="{FF2B5EF4-FFF2-40B4-BE49-F238E27FC236}">
+                <a16:creationId xmlns:a16="http://schemas.microsoft.com/office/drawing/2014/main" id="{8456D783-4FC3-4F90-B11D-BE2AB085210E}"/>
+              </a:ext>
+            </a:extLst>
+          </p:cNvPr>
+          <p:cNvPicPr>
+            <a:picLocks noChangeAspect="1"/>
+          </p:cNvPicPr>
+          <p:nvPr/>
+        </p:nvPicPr>
+        <p:blipFill>
+          <a:blip r:embed="rId3"/>
+          <a:stretch>
+            <a:fillRect/>
+          </a:stretch>
+        </p:blipFill>
+        <p:spPr>
+          <a:xfrm>
+            <a:off x="6448427" y="5291176"/>
+            <a:ext cx="3676650" cy="971550"/>
+          </a:xfrm>
+          <a:prstGeom prst="rect">
+            <a:avLst/>
+          </a:prstGeom>
+        </p:spPr>
+      </p:pic>
+      <p:pic>
+        <p:nvPicPr>
+          <p:cNvPr id="8" name="圖片 7">
+            <a:extLst>
+              <a:ext uri="{FF2B5EF4-FFF2-40B4-BE49-F238E27FC236}">
+                <a16:creationId xmlns:a16="http://schemas.microsoft.com/office/drawing/2014/main" id="{CA14EF25-2DD0-4A36-8D74-77F3C25F831B}"/>
+              </a:ext>
+            </a:extLst>
+          </p:cNvPr>
+          <p:cNvPicPr>
+            <a:picLocks noChangeAspect="1"/>
+          </p:cNvPicPr>
+          <p:nvPr/>
+        </p:nvPicPr>
+        <p:blipFill>
+          <a:blip r:embed="rId4"/>
+          <a:stretch>
+            <a:fillRect/>
+          </a:stretch>
+        </p:blipFill>
+        <p:spPr>
+          <a:xfrm>
+            <a:off x="657224" y="3461836"/>
+            <a:ext cx="5000625" cy="971550"/>
+          </a:xfrm>
+          <a:prstGeom prst="rect">
+            <a:avLst/>
+          </a:prstGeom>
+        </p:spPr>
+      </p:pic>
+      <p:pic>
+        <p:nvPicPr>
+          <p:cNvPr id="10" name="圖片 9">
+            <a:extLst>
+              <a:ext uri="{FF2B5EF4-FFF2-40B4-BE49-F238E27FC236}">
+                <a16:creationId xmlns:a16="http://schemas.microsoft.com/office/drawing/2014/main" id="{650A4A21-6736-478E-83B4-EB7EA7C46BC8}"/>
+              </a:ext>
+            </a:extLst>
+          </p:cNvPr>
+          <p:cNvPicPr>
+            <a:picLocks noChangeAspect="1"/>
+          </p:cNvPicPr>
+          <p:nvPr/>
+        </p:nvPicPr>
+        <p:blipFill>
+          <a:blip r:embed="rId5"/>
+          <a:stretch>
+            <a:fillRect/>
+          </a:stretch>
+        </p:blipFill>
+        <p:spPr>
+          <a:xfrm>
+            <a:off x="6448427" y="3652336"/>
+            <a:ext cx="3676650" cy="590550"/>
+          </a:xfrm>
+          <a:prstGeom prst="rect">
+            <a:avLst/>
+          </a:prstGeom>
+        </p:spPr>
+      </p:pic>
+      <p:pic>
+        <p:nvPicPr>
+          <p:cNvPr id="12" name="圖片 11">
+            <a:extLst>
+              <a:ext uri="{FF2B5EF4-FFF2-40B4-BE49-F238E27FC236}">
+                <a16:creationId xmlns:a16="http://schemas.microsoft.com/office/drawing/2014/main" id="{2A9B4D97-D104-46C8-81BA-C9913681FF99}"/>
+              </a:ext>
+            </a:extLst>
+          </p:cNvPr>
+          <p:cNvPicPr>
+            <a:picLocks noChangeAspect="1"/>
+          </p:cNvPicPr>
+          <p:nvPr/>
+        </p:nvPicPr>
+        <p:blipFill>
+          <a:blip r:embed="rId6"/>
+          <a:stretch>
+            <a:fillRect/>
+          </a:stretch>
+        </p:blipFill>
+        <p:spPr>
+          <a:xfrm>
+            <a:off x="657224" y="1235075"/>
+            <a:ext cx="5086350" cy="1543050"/>
+          </a:xfrm>
+          <a:prstGeom prst="rect">
+            <a:avLst/>
+          </a:prstGeom>
+        </p:spPr>
+      </p:pic>
+      <p:pic>
+        <p:nvPicPr>
+          <p:cNvPr id="13" name="圖片 12">
+            <a:extLst>
+              <a:ext uri="{FF2B5EF4-FFF2-40B4-BE49-F238E27FC236}">
+                <a16:creationId xmlns:a16="http://schemas.microsoft.com/office/drawing/2014/main" id="{751524B3-5A1E-416F-81BF-D4A09FF46AA1}"/>
+              </a:ext>
+            </a:extLst>
+          </p:cNvPr>
+          <p:cNvPicPr>
+            <a:picLocks noChangeAspect="1"/>
+          </p:cNvPicPr>
+          <p:nvPr/>
+        </p:nvPicPr>
+        <p:blipFill>
+          <a:blip r:embed="rId7"/>
+          <a:stretch>
+            <a:fillRect/>
+          </a:stretch>
+        </p:blipFill>
+        <p:spPr>
+          <a:xfrm>
+            <a:off x="6491290" y="1606551"/>
+            <a:ext cx="3676650" cy="590550"/>
+          </a:xfrm>
+          <a:prstGeom prst="rect">
+            <a:avLst/>
+          </a:prstGeom>
+        </p:spPr>
+      </p:pic>
+      <p:sp>
+        <p:nvSpPr>
+          <p:cNvPr id="14" name="文字方塊 13">
+            <a:extLst>
+              <a:ext uri="{FF2B5EF4-FFF2-40B4-BE49-F238E27FC236}">
+                <a16:creationId xmlns:a16="http://schemas.microsoft.com/office/drawing/2014/main" id="{DA304A8E-3512-4D51-8AF1-D8F26CD5EC52}"/>
               </a:ext>
             </a:extLst>
           </p:cNvPr>
@@ -5081,8 +5546,8 @@
         </p:nvSpPr>
         <p:spPr>
           <a:xfrm>
-            <a:off x="841829" y="1146629"/>
-            <a:ext cx="2278742" cy="646331"/>
+            <a:off x="657224" y="787805"/>
+            <a:ext cx="1933576" cy="369332"/>
           </a:xfrm>
           <a:prstGeom prst="rect">
             <a:avLst/>
@@ -5096,26 +5561,19 @@
           <a:lstStyle/>
           <a:p>
             <a:r>
-              <a:rPr lang="en-US" dirty="0"/>
-              <a:t>Add </a:t>
-            </a:r>
-            <a:r>
-              <a:rPr lang="en-US" dirty="0" err="1"/>
-              <a:t>model_avg</a:t>
-            </a:r>
-            <a:r>
-              <a:rPr lang="en-US" dirty="0"/>
-              <a:t> results here</a:t>
-            </a:r>
-          </a:p>
-        </p:txBody>
-      </p:sp>
-      <p:sp>
-        <p:nvSpPr>
-          <p:cNvPr id="8" name="文字方塊 7">
-            <a:extLst>
-              <a:ext uri="{FF2B5EF4-FFF2-40B4-BE49-F238E27FC236}">
-                <a16:creationId xmlns:a16="http://schemas.microsoft.com/office/drawing/2014/main" id="{46732A27-1870-4510-B44D-9D8C5680369D}"/>
+              <a:rPr lang="en-US" altLang="zh-TW" dirty="0"/>
+              <a:t>Abundance</a:t>
+            </a:r>
+            <a:endParaRPr lang="en-US" dirty="0"/>
+          </a:p>
+        </p:txBody>
+      </p:sp>
+      <p:sp>
+        <p:nvSpPr>
+          <p:cNvPr id="15" name="文字方塊 14">
+            <a:extLst>
+              <a:ext uri="{FF2B5EF4-FFF2-40B4-BE49-F238E27FC236}">
+                <a16:creationId xmlns:a16="http://schemas.microsoft.com/office/drawing/2014/main" id="{1FD93F8B-51FE-4523-B8A6-2009351C20FB}"/>
               </a:ext>
             </a:extLst>
           </p:cNvPr>
@@ -5124,8 +5582,8 @@
         </p:nvSpPr>
         <p:spPr>
           <a:xfrm>
-            <a:off x="198966" y="84430"/>
-            <a:ext cx="11821584" cy="461665"/>
+            <a:off x="657224" y="4826594"/>
+            <a:ext cx="1933576" cy="369332"/>
           </a:xfrm>
           <a:prstGeom prst="rect">
             <a:avLst/>
@@ -5139,16 +5597,53 @@
           <a:lstStyle/>
           <a:p>
             <a:r>
-              <a:rPr lang="en-US" sz="2400" dirty="0"/>
-              <a:t>Abundance and biomass variation showed spatiotemporal variations</a:t>
-            </a:r>
+              <a:rPr lang="en-US" altLang="zh-TW" dirty="0"/>
+              <a:t>SCOC</a:t>
+            </a:r>
+            <a:endParaRPr lang="en-US" dirty="0"/>
+          </a:p>
+        </p:txBody>
+      </p:sp>
+      <p:sp>
+        <p:nvSpPr>
+          <p:cNvPr id="16" name="文字方塊 15">
+            <a:extLst>
+              <a:ext uri="{FF2B5EF4-FFF2-40B4-BE49-F238E27FC236}">
+                <a16:creationId xmlns:a16="http://schemas.microsoft.com/office/drawing/2014/main" id="{4A73289F-5E03-47C0-8007-390448C3627A}"/>
+              </a:ext>
+            </a:extLst>
+          </p:cNvPr>
+          <p:cNvSpPr txBox="1"/>
+          <p:nvPr/>
+        </p:nvSpPr>
+        <p:spPr>
+          <a:xfrm>
+            <a:off x="809624" y="3260261"/>
+            <a:ext cx="1933576" cy="369332"/>
+          </a:xfrm>
+          <a:prstGeom prst="rect">
+            <a:avLst/>
+          </a:prstGeom>
+          <a:noFill/>
+        </p:spPr>
+        <p:txBody>
+          <a:bodyPr wrap="square" rtlCol="0">
+            <a:spAutoFit/>
+          </a:bodyPr>
+          <a:lstStyle/>
+          <a:p>
+            <a:r>
+              <a:rPr lang="en-US" altLang="zh-TW" dirty="0"/>
+              <a:t>Biomass</a:t>
+            </a:r>
+            <a:endParaRPr lang="en-US" dirty="0"/>
           </a:p>
         </p:txBody>
       </p:sp>
     </p:spTree>
     <p:extLst>
       <p:ext uri="{BB962C8B-B14F-4D97-AF65-F5344CB8AC3E}">
-        <p14:creationId xmlns:p14="http://schemas.microsoft.com/office/powerpoint/2010/main" val="3335778089"/>
+        <p14:creationId xmlns:p14="http://schemas.microsoft.com/office/powerpoint/2010/main" val="3384270154"/>
       </p:ext>
     </p:extLst>
   </p:cSld>
@@ -5177,10 +5672,10 @@
       </p:grpSpPr>
       <p:sp>
         <p:nvSpPr>
-          <p:cNvPr id="4" name="文字方塊 3">
-            <a:extLst>
-              <a:ext uri="{FF2B5EF4-FFF2-40B4-BE49-F238E27FC236}">
-                <a16:creationId xmlns:a16="http://schemas.microsoft.com/office/drawing/2014/main" id="{4CE214E7-89E3-4663-AF8D-E3B8BE46E9FC}"/>
+          <p:cNvPr id="6" name="文字方塊 5">
+            <a:extLst>
+              <a:ext uri="{FF2B5EF4-FFF2-40B4-BE49-F238E27FC236}">
+                <a16:creationId xmlns:a16="http://schemas.microsoft.com/office/drawing/2014/main" id="{632BB67A-7282-4882-9D61-77318A2FE940}"/>
               </a:ext>
             </a:extLst>
           </p:cNvPr>
@@ -5189,8 +5684,8 @@
         </p:nvSpPr>
         <p:spPr>
           <a:xfrm>
-            <a:off x="287866" y="234796"/>
-            <a:ext cx="8373534" cy="461665"/>
+            <a:off x="0" y="104094"/>
+            <a:ext cx="8449735" cy="369332"/>
           </a:xfrm>
           <a:prstGeom prst="rect">
             <a:avLst/>
@@ -5204,16 +5699,301 @@
           <a:lstStyle/>
           <a:p>
             <a:r>
-              <a:rPr lang="en-US" sz="2400" dirty="0"/>
-              <a:t>Add a taxa-size figure (any statistical analyses can be used?)</a:t>
-            </a:r>
-          </a:p>
-        </p:txBody>
-      </p:sp>
+              <a:rPr lang="en-US" dirty="0"/>
+              <a:t>Environmental drivers that shaped abundance, biomass, and SCOC </a:t>
+            </a:r>
+          </a:p>
+        </p:txBody>
+      </p:sp>
+      <p:pic>
+        <p:nvPicPr>
+          <p:cNvPr id="11" name="圖片 10">
+            <a:extLst>
+              <a:ext uri="{FF2B5EF4-FFF2-40B4-BE49-F238E27FC236}">
+                <a16:creationId xmlns:a16="http://schemas.microsoft.com/office/drawing/2014/main" id="{06D303F6-B367-49A3-AE9F-251A6041C8D3}"/>
+              </a:ext>
+            </a:extLst>
+          </p:cNvPr>
+          <p:cNvPicPr>
+            <a:picLocks noChangeAspect="1"/>
+          </p:cNvPicPr>
+          <p:nvPr/>
+        </p:nvPicPr>
+        <p:blipFill>
+          <a:blip r:embed="rId2"/>
+          <a:stretch>
+            <a:fillRect/>
+          </a:stretch>
+        </p:blipFill>
+        <p:spPr>
+          <a:xfrm>
+            <a:off x="307976" y="2982376"/>
+            <a:ext cx="4876800" cy="1733550"/>
+          </a:xfrm>
+          <a:prstGeom prst="rect">
+            <a:avLst/>
+          </a:prstGeom>
+        </p:spPr>
+      </p:pic>
+      <p:sp>
+        <p:nvSpPr>
+          <p:cNvPr id="12" name="文字方塊 11">
+            <a:extLst>
+              <a:ext uri="{FF2B5EF4-FFF2-40B4-BE49-F238E27FC236}">
+                <a16:creationId xmlns:a16="http://schemas.microsoft.com/office/drawing/2014/main" id="{6AF3BCD9-E683-4CE5-93BA-9BD7084CAF57}"/>
+              </a:ext>
+            </a:extLst>
+          </p:cNvPr>
+          <p:cNvSpPr txBox="1"/>
+          <p:nvPr/>
+        </p:nvSpPr>
+        <p:spPr>
+          <a:xfrm>
+            <a:off x="262467" y="2622291"/>
+            <a:ext cx="4377267" cy="369332"/>
+          </a:xfrm>
+          <a:prstGeom prst="rect">
+            <a:avLst/>
+          </a:prstGeom>
+          <a:noFill/>
+        </p:spPr>
+        <p:txBody>
+          <a:bodyPr wrap="square" rtlCol="0">
+            <a:spAutoFit/>
+          </a:bodyPr>
+          <a:lstStyle/>
+          <a:p>
+            <a:r>
+              <a:rPr lang="en-US" dirty="0"/>
+              <a:t>Biomass</a:t>
+            </a:r>
+          </a:p>
+        </p:txBody>
+      </p:sp>
+      <p:sp>
+        <p:nvSpPr>
+          <p:cNvPr id="14" name="文字方塊 13">
+            <a:extLst>
+              <a:ext uri="{FF2B5EF4-FFF2-40B4-BE49-F238E27FC236}">
+                <a16:creationId xmlns:a16="http://schemas.microsoft.com/office/drawing/2014/main" id="{67770344-63E4-422E-9837-B4A87422F350}"/>
+              </a:ext>
+            </a:extLst>
+          </p:cNvPr>
+          <p:cNvSpPr txBox="1"/>
+          <p:nvPr/>
+        </p:nvSpPr>
+        <p:spPr>
+          <a:xfrm>
+            <a:off x="262467" y="4826386"/>
+            <a:ext cx="1295400" cy="369332"/>
+          </a:xfrm>
+          <a:prstGeom prst="rect">
+            <a:avLst/>
+          </a:prstGeom>
+          <a:noFill/>
+        </p:spPr>
+        <p:txBody>
+          <a:bodyPr wrap="square" rtlCol="0">
+            <a:spAutoFit/>
+          </a:bodyPr>
+          <a:lstStyle/>
+          <a:p>
+            <a:r>
+              <a:rPr lang="en-US" dirty="0"/>
+              <a:t>SCOC</a:t>
+            </a:r>
+          </a:p>
+        </p:txBody>
+      </p:sp>
+      <p:pic>
+        <p:nvPicPr>
+          <p:cNvPr id="15" name="圖片 14">
+            <a:extLst>
+              <a:ext uri="{FF2B5EF4-FFF2-40B4-BE49-F238E27FC236}">
+                <a16:creationId xmlns:a16="http://schemas.microsoft.com/office/drawing/2014/main" id="{5BEED017-4648-473F-AEE9-2CCC9B586C6A}"/>
+              </a:ext>
+            </a:extLst>
+          </p:cNvPr>
+          <p:cNvPicPr>
+            <a:picLocks noChangeAspect="1"/>
+          </p:cNvPicPr>
+          <p:nvPr/>
+        </p:nvPicPr>
+        <p:blipFill>
+          <a:blip r:embed="rId3"/>
+          <a:stretch>
+            <a:fillRect/>
+          </a:stretch>
+        </p:blipFill>
+        <p:spPr>
+          <a:xfrm>
+            <a:off x="375707" y="5195718"/>
+            <a:ext cx="5276850" cy="1543050"/>
+          </a:xfrm>
+          <a:prstGeom prst="rect">
+            <a:avLst/>
+          </a:prstGeom>
+        </p:spPr>
+      </p:pic>
+      <p:pic>
+        <p:nvPicPr>
+          <p:cNvPr id="16" name="圖片 15">
+            <a:extLst>
+              <a:ext uri="{FF2B5EF4-FFF2-40B4-BE49-F238E27FC236}">
+                <a16:creationId xmlns:a16="http://schemas.microsoft.com/office/drawing/2014/main" id="{B7819052-C580-4210-B834-E9FDF62AD7B7}"/>
+              </a:ext>
+            </a:extLst>
+          </p:cNvPr>
+          <p:cNvPicPr>
+            <a:picLocks noChangeAspect="1"/>
+          </p:cNvPicPr>
+          <p:nvPr/>
+        </p:nvPicPr>
+        <p:blipFill>
+          <a:blip r:embed="rId4"/>
+          <a:stretch>
+            <a:fillRect/>
+          </a:stretch>
+        </p:blipFill>
+        <p:spPr>
+          <a:xfrm>
+            <a:off x="307976" y="897988"/>
+            <a:ext cx="5276850" cy="1543050"/>
+          </a:xfrm>
+          <a:prstGeom prst="rect">
+            <a:avLst/>
+          </a:prstGeom>
+        </p:spPr>
+      </p:pic>
+      <p:sp>
+        <p:nvSpPr>
+          <p:cNvPr id="17" name="文字方塊 16">
+            <a:extLst>
+              <a:ext uri="{FF2B5EF4-FFF2-40B4-BE49-F238E27FC236}">
+                <a16:creationId xmlns:a16="http://schemas.microsoft.com/office/drawing/2014/main" id="{40FC0281-AF49-443E-A556-16399DB8C609}"/>
+              </a:ext>
+            </a:extLst>
+          </p:cNvPr>
+          <p:cNvSpPr txBox="1"/>
+          <p:nvPr/>
+        </p:nvSpPr>
+        <p:spPr>
+          <a:xfrm>
+            <a:off x="262467" y="528656"/>
+            <a:ext cx="1998133" cy="369332"/>
+          </a:xfrm>
+          <a:prstGeom prst="rect">
+            <a:avLst/>
+          </a:prstGeom>
+          <a:noFill/>
+        </p:spPr>
+        <p:txBody>
+          <a:bodyPr wrap="square" rtlCol="0">
+            <a:spAutoFit/>
+          </a:bodyPr>
+          <a:lstStyle/>
+          <a:p>
+            <a:r>
+              <a:rPr lang="en-US" dirty="0"/>
+              <a:t>Abundance</a:t>
+            </a:r>
+          </a:p>
+        </p:txBody>
+      </p:sp>
+      <p:pic>
+        <p:nvPicPr>
+          <p:cNvPr id="18" name="圖片 17">
+            <a:extLst>
+              <a:ext uri="{FF2B5EF4-FFF2-40B4-BE49-F238E27FC236}">
+                <a16:creationId xmlns:a16="http://schemas.microsoft.com/office/drawing/2014/main" id="{7299C336-8F18-4917-96C1-3CE46603D0A0}"/>
+              </a:ext>
+            </a:extLst>
+          </p:cNvPr>
+          <p:cNvPicPr>
+            <a:picLocks noChangeAspect="1"/>
+          </p:cNvPicPr>
+          <p:nvPr/>
+        </p:nvPicPr>
+        <p:blipFill>
+          <a:blip r:embed="rId5"/>
+          <a:stretch>
+            <a:fillRect/>
+          </a:stretch>
+        </p:blipFill>
+        <p:spPr>
+          <a:xfrm>
+            <a:off x="7272867" y="5671968"/>
+            <a:ext cx="3676650" cy="590550"/>
+          </a:xfrm>
+          <a:prstGeom prst="rect">
+            <a:avLst/>
+          </a:prstGeom>
+        </p:spPr>
+      </p:pic>
+      <p:pic>
+        <p:nvPicPr>
+          <p:cNvPr id="20" name="圖片 19">
+            <a:extLst>
+              <a:ext uri="{FF2B5EF4-FFF2-40B4-BE49-F238E27FC236}">
+                <a16:creationId xmlns:a16="http://schemas.microsoft.com/office/drawing/2014/main" id="{40C9B61F-2DF4-47E0-A6E9-0383B7B57C0E}"/>
+              </a:ext>
+            </a:extLst>
+          </p:cNvPr>
+          <p:cNvPicPr>
+            <a:picLocks noChangeAspect="1"/>
+          </p:cNvPicPr>
+          <p:nvPr/>
+        </p:nvPicPr>
+        <p:blipFill>
+          <a:blip r:embed="rId6"/>
+          <a:stretch>
+            <a:fillRect/>
+          </a:stretch>
+        </p:blipFill>
+        <p:spPr>
+          <a:xfrm>
+            <a:off x="7272867" y="1374238"/>
+            <a:ext cx="3676650" cy="590550"/>
+          </a:xfrm>
+          <a:prstGeom prst="rect">
+            <a:avLst/>
+          </a:prstGeom>
+        </p:spPr>
+      </p:pic>
+      <p:pic>
+        <p:nvPicPr>
+          <p:cNvPr id="21" name="圖片 20">
+            <a:extLst>
+              <a:ext uri="{FF2B5EF4-FFF2-40B4-BE49-F238E27FC236}">
+                <a16:creationId xmlns:a16="http://schemas.microsoft.com/office/drawing/2014/main" id="{589E1F0B-16CB-4D2A-B701-5C1731B63302}"/>
+              </a:ext>
+            </a:extLst>
+          </p:cNvPr>
+          <p:cNvPicPr>
+            <a:picLocks noChangeAspect="1"/>
+          </p:cNvPicPr>
+          <p:nvPr/>
+        </p:nvPicPr>
+        <p:blipFill>
+          <a:blip r:embed="rId7"/>
+          <a:stretch>
+            <a:fillRect/>
+          </a:stretch>
+        </p:blipFill>
+        <p:spPr>
+          <a:xfrm>
+            <a:off x="7272867" y="3330575"/>
+            <a:ext cx="3676650" cy="1162050"/>
+          </a:xfrm>
+          <a:prstGeom prst="rect">
+            <a:avLst/>
+          </a:prstGeom>
+        </p:spPr>
+      </p:pic>
     </p:spTree>
     <p:extLst>
       <p:ext uri="{BB962C8B-B14F-4D97-AF65-F5344CB8AC3E}">
-        <p14:creationId xmlns:p14="http://schemas.microsoft.com/office/powerpoint/2010/main" val="916854323"/>
+        <p14:creationId xmlns:p14="http://schemas.microsoft.com/office/powerpoint/2010/main" val="2313078089"/>
       </p:ext>
     </p:extLst>
   </p:cSld>
@@ -5377,10 +6157,10 @@
       </p:grpSpPr>
       <p:pic>
         <p:nvPicPr>
-          <p:cNvPr id="5" name="圖片 4">
-            <a:extLst>
-              <a:ext uri="{FF2B5EF4-FFF2-40B4-BE49-F238E27FC236}">
-                <a16:creationId xmlns:a16="http://schemas.microsoft.com/office/drawing/2014/main" id="{0547BCB8-18D1-4B80-987C-BFE3289BF31B}"/>
+          <p:cNvPr id="3" name="圖片 2">
+            <a:extLst>
+              <a:ext uri="{FF2B5EF4-FFF2-40B4-BE49-F238E27FC236}">
+                <a16:creationId xmlns:a16="http://schemas.microsoft.com/office/drawing/2014/main" id="{E0001FE7-9FD6-49C2-AC73-2B9A9F2CC3FC}"/>
               </a:ext>
             </a:extLst>
           </p:cNvPr>
@@ -5390,15 +6170,57 @@
           <p:nvPr/>
         </p:nvPicPr>
         <p:blipFill>
-          <a:blip r:embed="rId2"/>
+          <a:blip r:embed="rId2">
+            <a:extLst>
+              <a:ext uri="{28A0092B-C50C-407E-A947-70E740481C1C}">
+                <a14:useLocalDpi xmlns:a14="http://schemas.microsoft.com/office/drawing/2010/main" val="0"/>
+              </a:ext>
+            </a:extLst>
+          </a:blip>
           <a:stretch>
             <a:fillRect/>
           </a:stretch>
         </p:blipFill>
         <p:spPr>
           <a:xfrm>
-            <a:off x="370084" y="0"/>
-            <a:ext cx="11451832" cy="6858000"/>
+            <a:off x="-75864" y="0"/>
+            <a:ext cx="6000750" cy="6858000"/>
+          </a:xfrm>
+          <a:prstGeom prst="rect">
+            <a:avLst/>
+          </a:prstGeom>
+        </p:spPr>
+      </p:pic>
+      <p:pic>
+        <p:nvPicPr>
+          <p:cNvPr id="6" name="圖片 5">
+            <a:extLst>
+              <a:ext uri="{FF2B5EF4-FFF2-40B4-BE49-F238E27FC236}">
+                <a16:creationId xmlns:a16="http://schemas.microsoft.com/office/drawing/2014/main" id="{3D39D688-D39B-4E30-9C26-8A7AD36E9059}"/>
+              </a:ext>
+            </a:extLst>
+          </p:cNvPr>
+          <p:cNvPicPr>
+            <a:picLocks noChangeAspect="1"/>
+          </p:cNvPicPr>
+          <p:nvPr/>
+        </p:nvPicPr>
+        <p:blipFill>
+          <a:blip r:embed="rId3">
+            <a:extLst>
+              <a:ext uri="{28A0092B-C50C-407E-A947-70E740481C1C}">
+                <a14:useLocalDpi xmlns:a14="http://schemas.microsoft.com/office/drawing/2010/main" val="0"/>
+              </a:ext>
+            </a:extLst>
+          </a:blip>
+          <a:stretch>
+            <a:fillRect/>
+          </a:stretch>
+        </p:blipFill>
+        <p:spPr>
+          <a:xfrm>
+            <a:off x="6155391" y="0"/>
+            <a:ext cx="6000750" cy="6858000"/>
           </a:xfrm>
           <a:prstGeom prst="rect">
             <a:avLst/>
@@ -5437,10 +6259,10 @@
       </p:grpSpPr>
       <p:pic>
         <p:nvPicPr>
-          <p:cNvPr id="7" name="圖片 6">
-            <a:extLst>
-              <a:ext uri="{FF2B5EF4-FFF2-40B4-BE49-F238E27FC236}">
-                <a16:creationId xmlns:a16="http://schemas.microsoft.com/office/drawing/2014/main" id="{D2449F76-A47B-4A37-AAFE-A3D73023D289}"/>
+          <p:cNvPr id="5" name="圖片 4">
+            <a:extLst>
+              <a:ext uri="{FF2B5EF4-FFF2-40B4-BE49-F238E27FC236}">
+                <a16:creationId xmlns:a16="http://schemas.microsoft.com/office/drawing/2014/main" id="{3939D15A-300A-4EA4-9C04-01E51CD2B6DA}"/>
               </a:ext>
             </a:extLst>
           </p:cNvPr>
@@ -5450,15 +6272,132 @@
           <p:nvPr/>
         </p:nvPicPr>
         <p:blipFill>
-          <a:blip r:embed="rId2"/>
+          <a:blip r:embed="rId3">
+            <a:extLst>
+              <a:ext uri="{28A0092B-C50C-407E-A947-70E740481C1C}">
+                <a14:useLocalDpi xmlns:a14="http://schemas.microsoft.com/office/drawing/2010/main" val="0"/>
+              </a:ext>
+            </a:extLst>
+          </a:blip>
           <a:stretch>
             <a:fillRect/>
           </a:stretch>
         </p:blipFill>
         <p:spPr>
           <a:xfrm>
-            <a:off x="370084" y="0"/>
-            <a:ext cx="11451832" cy="6858000"/>
+            <a:off x="693584" y="3706703"/>
+            <a:ext cx="5047498" cy="3017526"/>
+          </a:xfrm>
+          <a:prstGeom prst="rect">
+            <a:avLst/>
+          </a:prstGeom>
+        </p:spPr>
+      </p:pic>
+      <p:sp>
+        <p:nvSpPr>
+          <p:cNvPr id="8" name="文字方塊 7">
+            <a:extLst>
+              <a:ext uri="{FF2B5EF4-FFF2-40B4-BE49-F238E27FC236}">
+                <a16:creationId xmlns:a16="http://schemas.microsoft.com/office/drawing/2014/main" id="{BA745AFF-A01C-498B-ADE6-7DABCE101267}"/>
+              </a:ext>
+            </a:extLst>
+          </p:cNvPr>
+          <p:cNvSpPr txBox="1"/>
+          <p:nvPr/>
+        </p:nvSpPr>
+        <p:spPr>
+          <a:xfrm>
+            <a:off x="143933" y="80256"/>
+            <a:ext cx="3962400" cy="369332"/>
+          </a:xfrm>
+          <a:prstGeom prst="rect">
+            <a:avLst/>
+          </a:prstGeom>
+          <a:noFill/>
+        </p:spPr>
+        <p:txBody>
+          <a:bodyPr wrap="square" rtlCol="0">
+            <a:spAutoFit/>
+          </a:bodyPr>
+          <a:lstStyle/>
+          <a:p>
+            <a:r>
+              <a:rPr lang="en-US" dirty="0" err="1"/>
+              <a:t>iNEXT</a:t>
+            </a:r>
+            <a:r>
+              <a:rPr lang="en-US" dirty="0"/>
+              <a:t>(datatype = “abundance”)</a:t>
+            </a:r>
+          </a:p>
+        </p:txBody>
+      </p:sp>
+      <p:pic>
+        <p:nvPicPr>
+          <p:cNvPr id="10" name="圖片 9">
+            <a:extLst>
+              <a:ext uri="{FF2B5EF4-FFF2-40B4-BE49-F238E27FC236}">
+                <a16:creationId xmlns:a16="http://schemas.microsoft.com/office/drawing/2014/main" id="{EF3904FC-4388-4CAB-A756-35F5D49DC0EF}"/>
+              </a:ext>
+            </a:extLst>
+          </p:cNvPr>
+          <p:cNvPicPr>
+            <a:picLocks noChangeAspect="1"/>
+          </p:cNvPicPr>
+          <p:nvPr/>
+        </p:nvPicPr>
+        <p:blipFill>
+          <a:blip r:embed="rId4">
+            <a:extLst>
+              <a:ext uri="{28A0092B-C50C-407E-A947-70E740481C1C}">
+                <a14:useLocalDpi xmlns:a14="http://schemas.microsoft.com/office/drawing/2010/main" val="0"/>
+              </a:ext>
+            </a:extLst>
+          </a:blip>
+          <a:stretch>
+            <a:fillRect/>
+          </a:stretch>
+        </p:blipFill>
+        <p:spPr>
+          <a:xfrm>
+            <a:off x="6900333" y="68282"/>
+            <a:ext cx="4032862" cy="3360718"/>
+          </a:xfrm>
+          <a:prstGeom prst="rect">
+            <a:avLst/>
+          </a:prstGeom>
+        </p:spPr>
+      </p:pic>
+      <p:pic>
+        <p:nvPicPr>
+          <p:cNvPr id="12" name="圖片 11">
+            <a:extLst>
+              <a:ext uri="{FF2B5EF4-FFF2-40B4-BE49-F238E27FC236}">
+                <a16:creationId xmlns:a16="http://schemas.microsoft.com/office/drawing/2014/main" id="{94ECC57F-1AB8-4313-8202-12B717AAA1E1}"/>
+              </a:ext>
+            </a:extLst>
+          </p:cNvPr>
+          <p:cNvPicPr>
+            <a:picLocks noChangeAspect="1"/>
+          </p:cNvPicPr>
+          <p:nvPr/>
+        </p:nvPicPr>
+        <p:blipFill>
+          <a:blip r:embed="rId5">
+            <a:extLst>
+              <a:ext uri="{28A0092B-C50C-407E-A947-70E740481C1C}">
+                <a14:useLocalDpi xmlns:a14="http://schemas.microsoft.com/office/drawing/2010/main" val="0"/>
+              </a:ext>
+            </a:extLst>
+          </a:blip>
+          <a:stretch>
+            <a:fillRect/>
+          </a:stretch>
+        </p:blipFill>
+        <p:spPr>
+          <a:xfrm>
+            <a:off x="7070362" y="3429000"/>
+            <a:ext cx="3955967" cy="3296639"/>
           </a:xfrm>
           <a:prstGeom prst="rect">
             <a:avLst/>
@@ -5468,7 +6407,7 @@
     </p:spTree>
     <p:extLst>
       <p:ext uri="{BB962C8B-B14F-4D97-AF65-F5344CB8AC3E}">
-        <p14:creationId xmlns:p14="http://schemas.microsoft.com/office/powerpoint/2010/main" val="3065737432"/>
+        <p14:creationId xmlns:p14="http://schemas.microsoft.com/office/powerpoint/2010/main" val="1558163756"/>
       </p:ext>
     </p:extLst>
   </p:cSld>
